--- a/assets/Presentation1.pptx
+++ b/assets/Presentation1.pptx
@@ -244,7 +244,7 @@
           <a:p>
             <a:fld id="{06385468-F386-41D4-933D-F0E7D1434BA8}" type="datetimeFigureOut">
               <a:rPr lang="en-AU" smtClean="0"/>
-              <a:t>4/09/2019</a:t>
+              <a:t>8/11/2019</a:t>
             </a:fld>
             <a:endParaRPr lang="en-AU"/>
           </a:p>
@@ -414,7 +414,7 @@
           <a:p>
             <a:fld id="{06385468-F386-41D4-933D-F0E7D1434BA8}" type="datetimeFigureOut">
               <a:rPr lang="en-AU" smtClean="0"/>
-              <a:t>4/09/2019</a:t>
+              <a:t>8/11/2019</a:t>
             </a:fld>
             <a:endParaRPr lang="en-AU"/>
           </a:p>
@@ -594,7 +594,7 @@
           <a:p>
             <a:fld id="{06385468-F386-41D4-933D-F0E7D1434BA8}" type="datetimeFigureOut">
               <a:rPr lang="en-AU" smtClean="0"/>
-              <a:t>4/09/2019</a:t>
+              <a:t>8/11/2019</a:t>
             </a:fld>
             <a:endParaRPr lang="en-AU"/>
           </a:p>
@@ -764,7 +764,7 @@
           <a:p>
             <a:fld id="{06385468-F386-41D4-933D-F0E7D1434BA8}" type="datetimeFigureOut">
               <a:rPr lang="en-AU" smtClean="0"/>
-              <a:t>4/09/2019</a:t>
+              <a:t>8/11/2019</a:t>
             </a:fld>
             <a:endParaRPr lang="en-AU"/>
           </a:p>
@@ -1010,7 +1010,7 @@
           <a:p>
             <a:fld id="{06385468-F386-41D4-933D-F0E7D1434BA8}" type="datetimeFigureOut">
               <a:rPr lang="en-AU" smtClean="0"/>
-              <a:t>4/09/2019</a:t>
+              <a:t>8/11/2019</a:t>
             </a:fld>
             <a:endParaRPr lang="en-AU"/>
           </a:p>
@@ -1242,7 +1242,7 @@
           <a:p>
             <a:fld id="{06385468-F386-41D4-933D-F0E7D1434BA8}" type="datetimeFigureOut">
               <a:rPr lang="en-AU" smtClean="0"/>
-              <a:t>4/09/2019</a:t>
+              <a:t>8/11/2019</a:t>
             </a:fld>
             <a:endParaRPr lang="en-AU"/>
           </a:p>
@@ -1609,7 +1609,7 @@
           <a:p>
             <a:fld id="{06385468-F386-41D4-933D-F0E7D1434BA8}" type="datetimeFigureOut">
               <a:rPr lang="en-AU" smtClean="0"/>
-              <a:t>4/09/2019</a:t>
+              <a:t>8/11/2019</a:t>
             </a:fld>
             <a:endParaRPr lang="en-AU"/>
           </a:p>
@@ -1727,7 +1727,7 @@
           <a:p>
             <a:fld id="{06385468-F386-41D4-933D-F0E7D1434BA8}" type="datetimeFigureOut">
               <a:rPr lang="en-AU" smtClean="0"/>
-              <a:t>4/09/2019</a:t>
+              <a:t>8/11/2019</a:t>
             </a:fld>
             <a:endParaRPr lang="en-AU"/>
           </a:p>
@@ -1822,7 +1822,7 @@
           <a:p>
             <a:fld id="{06385468-F386-41D4-933D-F0E7D1434BA8}" type="datetimeFigureOut">
               <a:rPr lang="en-AU" smtClean="0"/>
-              <a:t>4/09/2019</a:t>
+              <a:t>8/11/2019</a:t>
             </a:fld>
             <a:endParaRPr lang="en-AU"/>
           </a:p>
@@ -2099,7 +2099,7 @@
           <a:p>
             <a:fld id="{06385468-F386-41D4-933D-F0E7D1434BA8}" type="datetimeFigureOut">
               <a:rPr lang="en-AU" smtClean="0"/>
-              <a:t>4/09/2019</a:t>
+              <a:t>8/11/2019</a:t>
             </a:fld>
             <a:endParaRPr lang="en-AU"/>
           </a:p>
@@ -2352,7 +2352,7 @@
           <a:p>
             <a:fld id="{06385468-F386-41D4-933D-F0E7D1434BA8}" type="datetimeFigureOut">
               <a:rPr lang="en-AU" smtClean="0"/>
-              <a:t>4/09/2019</a:t>
+              <a:t>8/11/2019</a:t>
             </a:fld>
             <a:endParaRPr lang="en-AU"/>
           </a:p>
@@ -2565,7 +2565,7 @@
           <a:p>
             <a:fld id="{06385468-F386-41D4-933D-F0E7D1434BA8}" type="datetimeFigureOut">
               <a:rPr lang="en-AU" smtClean="0"/>
-              <a:t>4/09/2019</a:t>
+              <a:t>8/11/2019</a:t>
             </a:fld>
             <a:endParaRPr lang="en-AU"/>
           </a:p>
@@ -4701,7 +4701,7 @@
         </p:nvGrpSpPr>
         <p:grpSpPr>
           <a:xfrm>
-            <a:off x="2200035" y="2211176"/>
+            <a:off x="2059072" y="2101538"/>
             <a:ext cx="2289465" cy="2321760"/>
             <a:chOff x="2200035" y="2211176"/>
             <a:chExt cx="2289465" cy="2321760"/>
@@ -6056,7 +6056,7 @@
         </p:nvGrpSpPr>
         <p:grpSpPr>
           <a:xfrm>
-            <a:off x="7188744" y="1202820"/>
+            <a:off x="7093962" y="522742"/>
             <a:ext cx="4387174" cy="4387174"/>
             <a:chOff x="7188744" y="1202820"/>
             <a:chExt cx="4387174" cy="4387174"/>
@@ -6580,7 +6580,7 @@
         </p:nvGrpSpPr>
         <p:grpSpPr>
           <a:xfrm>
-            <a:off x="4648257" y="1355454"/>
+            <a:off x="4714379" y="1391030"/>
             <a:ext cx="4387174" cy="4387174"/>
             <a:chOff x="7188744" y="1202820"/>
             <a:chExt cx="4387174" cy="4387174"/>
@@ -7096,6 +7096,2585 @@
           </p:style>
         </p:cxnSp>
       </p:grpSp>
+      <p:grpSp>
+        <p:nvGrpSpPr>
+          <p:cNvPr id="248" name="Group 247"/>
+          <p:cNvGrpSpPr/>
+          <p:nvPr/>
+        </p:nvGrpSpPr>
+        <p:grpSpPr>
+          <a:xfrm>
+            <a:off x="10172021" y="397358"/>
+            <a:ext cx="1201103" cy="920164"/>
+            <a:chOff x="10008973" y="318392"/>
+            <a:chExt cx="1201103" cy="920164"/>
+          </a:xfrm>
+        </p:grpSpPr>
+        <p:grpSp>
+          <p:nvGrpSpPr>
+            <p:cNvPr id="238" name="Group 237"/>
+            <p:cNvGrpSpPr/>
+            <p:nvPr/>
+          </p:nvGrpSpPr>
+          <p:grpSpPr>
+            <a:xfrm>
+              <a:off x="10287627" y="318392"/>
+              <a:ext cx="922449" cy="920164"/>
+              <a:chOff x="10287627" y="318392"/>
+              <a:chExt cx="922449" cy="920164"/>
+            </a:xfrm>
+          </p:grpSpPr>
+          <p:cxnSp>
+            <p:nvCxnSpPr>
+              <p:cNvPr id="227" name="Straight Connector 226"/>
+              <p:cNvCxnSpPr/>
+              <p:nvPr/>
+            </p:nvCxnSpPr>
+            <p:spPr>
+              <a:xfrm flipH="1">
+                <a:off x="10432359" y="318392"/>
+                <a:ext cx="636271" cy="0"/>
+              </a:xfrm>
+              <a:prstGeom prst="line">
+                <a:avLst/>
+              </a:prstGeom>
+              <a:ln w="152400" cap="rnd">
+                <a:solidFill>
+                  <a:schemeClr val="tx1"/>
+                </a:solidFill>
+                <a:round/>
+              </a:ln>
+            </p:spPr>
+            <p:style>
+              <a:lnRef idx="1">
+                <a:schemeClr val="accent1"/>
+              </a:lnRef>
+              <a:fillRef idx="0">
+                <a:schemeClr val="accent1"/>
+              </a:fillRef>
+              <a:effectRef idx="0">
+                <a:schemeClr val="accent1"/>
+              </a:effectRef>
+              <a:fontRef idx="minor">
+                <a:schemeClr val="tx1"/>
+              </a:fontRef>
+            </p:style>
+          </p:cxnSp>
+          <p:sp>
+            <p:nvSpPr>
+              <p:cNvPr id="117" name="Arc 116"/>
+              <p:cNvSpPr>
+                <a:spLocks noChangeAspect="1"/>
+              </p:cNvSpPr>
+              <p:nvPr/>
+            </p:nvSpPr>
+            <p:spPr>
+              <a:xfrm rot="5400000">
+                <a:off x="10908430" y="936571"/>
+                <a:ext cx="301217" cy="301217"/>
+              </a:xfrm>
+              <a:prstGeom prst="arc">
+                <a:avLst>
+                  <a:gd name="adj1" fmla="val 16445981"/>
+                  <a:gd name="adj2" fmla="val 0"/>
+                </a:avLst>
+              </a:prstGeom>
+              <a:ln w="152400" cap="rnd">
+                <a:solidFill>
+                  <a:schemeClr val="tx1"/>
+                </a:solidFill>
+                <a:round/>
+              </a:ln>
+            </p:spPr>
+            <p:style>
+              <a:lnRef idx="1">
+                <a:schemeClr val="accent1"/>
+              </a:lnRef>
+              <a:fillRef idx="0">
+                <a:schemeClr val="accent1"/>
+              </a:fillRef>
+              <a:effectRef idx="0">
+                <a:schemeClr val="accent1"/>
+              </a:effectRef>
+              <a:fontRef idx="minor">
+                <a:schemeClr val="tx1"/>
+              </a:fontRef>
+            </p:style>
+            <p:txBody>
+              <a:bodyPr rtlCol="0" anchor="ctr"/>
+              <a:lstStyle/>
+              <a:p>
+                <a:pPr algn="ctr"/>
+                <a:endParaRPr lang="en-AU"/>
+              </a:p>
+            </p:txBody>
+          </p:sp>
+          <p:sp>
+            <p:nvSpPr>
+              <p:cNvPr id="118" name="Arc 117"/>
+              <p:cNvSpPr>
+                <a:spLocks noChangeAspect="1"/>
+              </p:cNvSpPr>
+              <p:nvPr/>
+            </p:nvSpPr>
+            <p:spPr>
+              <a:xfrm>
+                <a:off x="10908586" y="318392"/>
+                <a:ext cx="301217" cy="301217"/>
+              </a:xfrm>
+              <a:prstGeom prst="arc">
+                <a:avLst/>
+              </a:prstGeom>
+              <a:ln w="152400" cap="rnd">
+                <a:solidFill>
+                  <a:schemeClr val="tx1"/>
+                </a:solidFill>
+                <a:round/>
+              </a:ln>
+            </p:spPr>
+            <p:style>
+              <a:lnRef idx="1">
+                <a:schemeClr val="accent1"/>
+              </a:lnRef>
+              <a:fillRef idx="0">
+                <a:schemeClr val="accent1"/>
+              </a:fillRef>
+              <a:effectRef idx="0">
+                <a:schemeClr val="accent1"/>
+              </a:effectRef>
+              <a:fontRef idx="minor">
+                <a:schemeClr val="tx1"/>
+              </a:fontRef>
+            </p:style>
+            <p:txBody>
+              <a:bodyPr rtlCol="0" anchor="ctr"/>
+              <a:lstStyle/>
+              <a:p>
+                <a:pPr algn="ctr"/>
+                <a:endParaRPr lang="en-AU"/>
+              </a:p>
+            </p:txBody>
+          </p:sp>
+          <p:sp>
+            <p:nvSpPr>
+              <p:cNvPr id="119" name="Arc 118"/>
+              <p:cNvSpPr>
+                <a:spLocks noChangeAspect="1"/>
+              </p:cNvSpPr>
+              <p:nvPr/>
+            </p:nvSpPr>
+            <p:spPr>
+              <a:xfrm rot="16200000" flipH="1">
+                <a:off x="10290646" y="935923"/>
+                <a:ext cx="301217" cy="301217"/>
+              </a:xfrm>
+              <a:prstGeom prst="arc">
+                <a:avLst/>
+              </a:prstGeom>
+              <a:ln w="152400" cap="rnd">
+                <a:solidFill>
+                  <a:schemeClr val="tx1"/>
+                </a:solidFill>
+                <a:round/>
+              </a:ln>
+            </p:spPr>
+            <p:style>
+              <a:lnRef idx="1">
+                <a:schemeClr val="accent1"/>
+              </a:lnRef>
+              <a:fillRef idx="0">
+                <a:schemeClr val="accent1"/>
+              </a:fillRef>
+              <a:effectRef idx="0">
+                <a:schemeClr val="accent1"/>
+              </a:effectRef>
+              <a:fontRef idx="minor">
+                <a:schemeClr val="tx1"/>
+              </a:fontRef>
+            </p:style>
+            <p:txBody>
+              <a:bodyPr rtlCol="0" anchor="ctr"/>
+              <a:lstStyle/>
+              <a:p>
+                <a:pPr algn="ctr"/>
+                <a:endParaRPr lang="en-AU"/>
+              </a:p>
+            </p:txBody>
+          </p:sp>
+          <p:sp>
+            <p:nvSpPr>
+              <p:cNvPr id="120" name="Arc 119"/>
+              <p:cNvSpPr>
+                <a:spLocks noChangeAspect="1"/>
+              </p:cNvSpPr>
+              <p:nvPr/>
+            </p:nvSpPr>
+            <p:spPr>
+              <a:xfrm flipH="1">
+                <a:off x="10287627" y="320125"/>
+                <a:ext cx="301217" cy="301217"/>
+              </a:xfrm>
+              <a:prstGeom prst="arc">
+                <a:avLst/>
+              </a:prstGeom>
+              <a:ln w="152400" cap="rnd">
+                <a:solidFill>
+                  <a:schemeClr val="tx1"/>
+                </a:solidFill>
+                <a:round/>
+              </a:ln>
+            </p:spPr>
+            <p:style>
+              <a:lnRef idx="1">
+                <a:schemeClr val="accent1"/>
+              </a:lnRef>
+              <a:fillRef idx="0">
+                <a:schemeClr val="accent1"/>
+              </a:fillRef>
+              <a:effectRef idx="0">
+                <a:schemeClr val="accent1"/>
+              </a:effectRef>
+              <a:fontRef idx="minor">
+                <a:schemeClr val="tx1"/>
+              </a:fontRef>
+            </p:style>
+            <p:txBody>
+              <a:bodyPr rtlCol="0" anchor="ctr"/>
+              <a:lstStyle/>
+              <a:p>
+                <a:pPr algn="ctr"/>
+                <a:endParaRPr lang="en-AU"/>
+              </a:p>
+            </p:txBody>
+          </p:sp>
+          <p:cxnSp>
+            <p:nvCxnSpPr>
+              <p:cNvPr id="123" name="Straight Connector 122"/>
+              <p:cNvCxnSpPr/>
+              <p:nvPr/>
+            </p:nvCxnSpPr>
+            <p:spPr>
+              <a:xfrm rot="16200000" flipH="1">
+                <a:off x="10891940" y="783918"/>
+                <a:ext cx="636271" cy="0"/>
+              </a:xfrm>
+              <a:prstGeom prst="line">
+                <a:avLst/>
+              </a:prstGeom>
+              <a:ln w="152400" cap="rnd">
+                <a:solidFill>
+                  <a:schemeClr val="tx1"/>
+                </a:solidFill>
+                <a:round/>
+              </a:ln>
+            </p:spPr>
+            <p:style>
+              <a:lnRef idx="1">
+                <a:schemeClr val="accent1"/>
+              </a:lnRef>
+              <a:fillRef idx="0">
+                <a:schemeClr val="accent1"/>
+              </a:fillRef>
+              <a:effectRef idx="0">
+                <a:schemeClr val="accent1"/>
+              </a:effectRef>
+              <a:fontRef idx="minor">
+                <a:schemeClr val="tx1"/>
+              </a:fontRef>
+            </p:style>
+          </p:cxnSp>
+          <p:cxnSp>
+            <p:nvCxnSpPr>
+              <p:cNvPr id="124" name="Straight Connector 123"/>
+              <p:cNvCxnSpPr/>
+              <p:nvPr/>
+            </p:nvCxnSpPr>
+            <p:spPr>
+              <a:xfrm flipH="1">
+                <a:off x="10437120" y="1238556"/>
+                <a:ext cx="636271" cy="0"/>
+              </a:xfrm>
+              <a:prstGeom prst="line">
+                <a:avLst/>
+              </a:prstGeom>
+              <a:ln w="152400" cap="rnd">
+                <a:solidFill>
+                  <a:schemeClr val="tx1"/>
+                </a:solidFill>
+                <a:round/>
+              </a:ln>
+            </p:spPr>
+            <p:style>
+              <a:lnRef idx="1">
+                <a:schemeClr val="accent1"/>
+              </a:lnRef>
+              <a:fillRef idx="0">
+                <a:schemeClr val="accent1"/>
+              </a:fillRef>
+              <a:effectRef idx="0">
+                <a:schemeClr val="accent1"/>
+              </a:effectRef>
+              <a:fontRef idx="minor">
+                <a:schemeClr val="tx1"/>
+              </a:fontRef>
+            </p:style>
+          </p:cxnSp>
+        </p:grpSp>
+        <p:cxnSp>
+          <p:nvCxnSpPr>
+            <p:cNvPr id="240" name="Straight Arrow Connector 239"/>
+            <p:cNvCxnSpPr/>
+            <p:nvPr/>
+          </p:nvCxnSpPr>
+          <p:spPr>
+            <a:xfrm>
+              <a:off x="10008973" y="783431"/>
+              <a:ext cx="980496" cy="487"/>
+            </a:xfrm>
+            <a:prstGeom prst="straightConnector1">
+              <a:avLst/>
+            </a:prstGeom>
+            <a:ln w="152400" cap="rnd">
+              <a:solidFill>
+                <a:schemeClr val="tx1"/>
+              </a:solidFill>
+              <a:round/>
+              <a:headEnd w="sm" len="med"/>
+              <a:tailEnd type="arrow" w="sm" len="sm"/>
+            </a:ln>
+          </p:spPr>
+          <p:style>
+            <a:lnRef idx="1">
+              <a:schemeClr val="accent1"/>
+            </a:lnRef>
+            <a:fillRef idx="0">
+              <a:schemeClr val="accent1"/>
+            </a:fillRef>
+            <a:effectRef idx="0">
+              <a:schemeClr val="accent1"/>
+            </a:effectRef>
+            <a:fontRef idx="minor">
+              <a:schemeClr val="tx1"/>
+            </a:fontRef>
+          </p:style>
+        </p:cxnSp>
+      </p:grpSp>
+      <p:grpSp>
+        <p:nvGrpSpPr>
+          <p:cNvPr id="39" name="Group 38"/>
+          <p:cNvGrpSpPr/>
+          <p:nvPr/>
+        </p:nvGrpSpPr>
+        <p:grpSpPr>
+          <a:xfrm>
+            <a:off x="10458724" y="1570944"/>
+            <a:ext cx="914400" cy="914400"/>
+            <a:chOff x="10458724" y="1570944"/>
+            <a:chExt cx="914400" cy="914400"/>
+          </a:xfrm>
+        </p:grpSpPr>
+        <p:sp>
+          <p:nvSpPr>
+            <p:cNvPr id="254" name="Rounded Rectangle 253"/>
+            <p:cNvSpPr>
+              <a:spLocks noChangeAspect="1"/>
+            </p:cNvSpPr>
+            <p:nvPr/>
+          </p:nvSpPr>
+          <p:spPr>
+            <a:xfrm>
+              <a:off x="10458724" y="1570944"/>
+              <a:ext cx="914400" cy="914400"/>
+            </a:xfrm>
+            <a:prstGeom prst="roundRect">
+              <a:avLst/>
+            </a:prstGeom>
+            <a:noFill/>
+            <a:ln w="127000">
+              <a:solidFill>
+                <a:schemeClr val="tx1"/>
+              </a:solidFill>
+            </a:ln>
+          </p:spPr>
+          <p:style>
+            <a:lnRef idx="2">
+              <a:schemeClr val="accent1">
+                <a:shade val="50000"/>
+              </a:schemeClr>
+            </a:lnRef>
+            <a:fillRef idx="1">
+              <a:schemeClr val="accent1"/>
+            </a:fillRef>
+            <a:effectRef idx="0">
+              <a:schemeClr val="accent1"/>
+            </a:effectRef>
+            <a:fontRef idx="minor">
+              <a:schemeClr val="lt1"/>
+            </a:fontRef>
+          </p:style>
+          <p:txBody>
+            <a:bodyPr rtlCol="0" anchor="ctr"/>
+            <a:lstStyle/>
+            <a:p>
+              <a:pPr algn="ctr"/>
+              <a:endParaRPr lang="en-AU"/>
+            </a:p>
+          </p:txBody>
+        </p:sp>
+        <p:pic>
+          <p:nvPicPr>
+            <p:cNvPr id="38" name="Picture 37"/>
+            <p:cNvPicPr>
+              <a:picLocks noChangeAspect="1"/>
+            </p:cNvPicPr>
+            <p:nvPr/>
+          </p:nvPicPr>
+          <p:blipFill rotWithShape="1">
+            <a:blip r:embed="rId2"/>
+            <a:srcRect t="11002" r="2835" b="29960"/>
+            <a:stretch/>
+          </p:blipFill>
+          <p:spPr>
+            <a:xfrm>
+              <a:off x="10696751" y="1640983"/>
+              <a:ext cx="438346" cy="781050"/>
+            </a:xfrm>
+            <a:prstGeom prst="rect">
+              <a:avLst/>
+            </a:prstGeom>
+          </p:spPr>
+        </p:pic>
+      </p:grpSp>
+      <p:grpSp>
+        <p:nvGrpSpPr>
+          <p:cNvPr id="19" name="Group 18"/>
+          <p:cNvGrpSpPr/>
+          <p:nvPr/>
+        </p:nvGrpSpPr>
+        <p:grpSpPr>
+          <a:xfrm rot="2569763">
+            <a:off x="1722479" y="5014563"/>
+            <a:ext cx="1456812" cy="1292613"/>
+            <a:chOff x="1432451" y="4994237"/>
+            <a:chExt cx="1456811" cy="1292613"/>
+          </a:xfrm>
+        </p:grpSpPr>
+        <p:sp>
+          <p:nvSpPr>
+            <p:cNvPr id="122" name="Rectangle 121"/>
+            <p:cNvSpPr/>
+            <p:nvPr/>
+          </p:nvSpPr>
+          <p:spPr>
+            <a:xfrm>
+              <a:off x="1974862" y="5372450"/>
+              <a:ext cx="914400" cy="914400"/>
+            </a:xfrm>
+            <a:prstGeom prst="rect">
+              <a:avLst/>
+            </a:prstGeom>
+            <a:solidFill>
+              <a:schemeClr val="bg1"/>
+            </a:solidFill>
+            <a:ln w="127000" cap="rnd">
+              <a:solidFill>
+                <a:schemeClr val="tx1"/>
+              </a:solidFill>
+              <a:round/>
+            </a:ln>
+          </p:spPr>
+          <p:style>
+            <a:lnRef idx="2">
+              <a:schemeClr val="accent1">
+                <a:shade val="50000"/>
+              </a:schemeClr>
+            </a:lnRef>
+            <a:fillRef idx="1">
+              <a:schemeClr val="accent1"/>
+            </a:fillRef>
+            <a:effectRef idx="0">
+              <a:schemeClr val="accent1"/>
+            </a:effectRef>
+            <a:fontRef idx="minor">
+              <a:schemeClr val="lt1"/>
+            </a:fontRef>
+          </p:style>
+          <p:txBody>
+            <a:bodyPr rtlCol="0" anchor="ctr"/>
+            <a:lstStyle/>
+            <a:p>
+              <a:pPr algn="ctr"/>
+              <a:endParaRPr lang="en-AU"/>
+            </a:p>
+          </p:txBody>
+        </p:sp>
+        <p:sp>
+          <p:nvSpPr>
+            <p:cNvPr id="121" name="Rectangle 120"/>
+            <p:cNvSpPr/>
+            <p:nvPr/>
+          </p:nvSpPr>
+          <p:spPr>
+            <a:xfrm>
+              <a:off x="1708839" y="5189056"/>
+              <a:ext cx="914400" cy="914400"/>
+            </a:xfrm>
+            <a:prstGeom prst="rect">
+              <a:avLst/>
+            </a:prstGeom>
+            <a:solidFill>
+              <a:schemeClr val="bg1"/>
+            </a:solidFill>
+            <a:ln w="127000" cap="rnd">
+              <a:solidFill>
+                <a:schemeClr val="tx1"/>
+              </a:solidFill>
+              <a:round/>
+            </a:ln>
+          </p:spPr>
+          <p:style>
+            <a:lnRef idx="2">
+              <a:schemeClr val="accent1">
+                <a:shade val="50000"/>
+              </a:schemeClr>
+            </a:lnRef>
+            <a:fillRef idx="1">
+              <a:schemeClr val="accent1"/>
+            </a:fillRef>
+            <a:effectRef idx="0">
+              <a:schemeClr val="accent1"/>
+            </a:effectRef>
+            <a:fontRef idx="minor">
+              <a:schemeClr val="lt1"/>
+            </a:fontRef>
+          </p:style>
+          <p:txBody>
+            <a:bodyPr rtlCol="0" anchor="ctr"/>
+            <a:lstStyle/>
+            <a:p>
+              <a:pPr algn="ctr"/>
+              <a:endParaRPr lang="en-AU"/>
+            </a:p>
+          </p:txBody>
+        </p:sp>
+        <p:sp>
+          <p:nvSpPr>
+            <p:cNvPr id="17" name="Rectangle 16"/>
+            <p:cNvSpPr/>
+            <p:nvPr/>
+          </p:nvSpPr>
+          <p:spPr>
+            <a:xfrm>
+              <a:off x="1432451" y="4994237"/>
+              <a:ext cx="914400" cy="914400"/>
+            </a:xfrm>
+            <a:prstGeom prst="rect">
+              <a:avLst/>
+            </a:prstGeom>
+            <a:solidFill>
+              <a:schemeClr val="bg1"/>
+            </a:solidFill>
+            <a:ln w="127000" cap="rnd">
+              <a:solidFill>
+                <a:schemeClr val="tx1"/>
+              </a:solidFill>
+              <a:round/>
+            </a:ln>
+          </p:spPr>
+          <p:style>
+            <a:lnRef idx="2">
+              <a:schemeClr val="accent1">
+                <a:shade val="50000"/>
+              </a:schemeClr>
+            </a:lnRef>
+            <a:fillRef idx="1">
+              <a:schemeClr val="accent1"/>
+            </a:fillRef>
+            <a:effectRef idx="0">
+              <a:schemeClr val="accent1"/>
+            </a:effectRef>
+            <a:fontRef idx="minor">
+              <a:schemeClr val="lt1"/>
+            </a:fontRef>
+          </p:style>
+          <p:txBody>
+            <a:bodyPr rtlCol="0" anchor="ctr"/>
+            <a:lstStyle/>
+            <a:p>
+              <a:pPr algn="ctr"/>
+              <a:endParaRPr lang="en-AU"/>
+            </a:p>
+          </p:txBody>
+        </p:sp>
+      </p:grpSp>
+      <p:grpSp>
+        <p:nvGrpSpPr>
+          <p:cNvPr id="237" name="Group 236"/>
+          <p:cNvGrpSpPr>
+            <a:grpSpLocks noChangeAspect="1"/>
+          </p:cNvGrpSpPr>
+          <p:nvPr/>
+        </p:nvGrpSpPr>
+        <p:grpSpPr>
+          <a:xfrm>
+            <a:off x="10441911" y="4377696"/>
+            <a:ext cx="1115050" cy="914400"/>
+            <a:chOff x="4050401" y="4474601"/>
+            <a:chExt cx="1369738" cy="1123256"/>
+          </a:xfrm>
+        </p:grpSpPr>
+        <p:sp>
+          <p:nvSpPr>
+            <p:cNvPr id="127" name="Parallelogram 126"/>
+            <p:cNvSpPr/>
+            <p:nvPr/>
+          </p:nvSpPr>
+          <p:spPr>
+            <a:xfrm rot="2128096">
+              <a:off x="4172050" y="4474601"/>
+              <a:ext cx="1163103" cy="715295"/>
+            </a:xfrm>
+            <a:prstGeom prst="parallelogram">
+              <a:avLst>
+                <a:gd name="adj" fmla="val 63164"/>
+              </a:avLst>
+            </a:prstGeom>
+            <a:noFill/>
+            <a:ln w="101600">
+              <a:solidFill>
+                <a:schemeClr val="tx1"/>
+              </a:solidFill>
+              <a:round/>
+            </a:ln>
+          </p:spPr>
+          <p:style>
+            <a:lnRef idx="2">
+              <a:schemeClr val="accent1">
+                <a:shade val="50000"/>
+              </a:schemeClr>
+            </a:lnRef>
+            <a:fillRef idx="1">
+              <a:schemeClr val="accent1"/>
+            </a:fillRef>
+            <a:effectRef idx="0">
+              <a:schemeClr val="accent1"/>
+            </a:effectRef>
+            <a:fontRef idx="minor">
+              <a:schemeClr val="lt1"/>
+            </a:fontRef>
+          </p:style>
+          <p:txBody>
+            <a:bodyPr rtlCol="0" anchor="ctr"/>
+            <a:lstStyle/>
+            <a:p>
+              <a:pPr algn="ctr"/>
+              <a:endParaRPr lang="en-AU"/>
+            </a:p>
+          </p:txBody>
+        </p:sp>
+        <p:sp>
+          <p:nvSpPr>
+            <p:cNvPr id="27" name="Freeform 26"/>
+            <p:cNvSpPr/>
+            <p:nvPr/>
+          </p:nvSpPr>
+          <p:spPr>
+            <a:xfrm>
+              <a:off x="4081670" y="4903304"/>
+              <a:ext cx="1338469" cy="490331"/>
+            </a:xfrm>
+            <a:custGeom>
+              <a:avLst/>
+              <a:gdLst>
+                <a:gd name="connsiteX0" fmla="*/ 132521 w 1338469"/>
+                <a:gd name="connsiteY0" fmla="*/ 0 h 490331"/>
+                <a:gd name="connsiteX1" fmla="*/ 0 w 1338469"/>
+                <a:gd name="connsiteY1" fmla="*/ 66261 h 490331"/>
+                <a:gd name="connsiteX2" fmla="*/ 556591 w 1338469"/>
+                <a:gd name="connsiteY2" fmla="*/ 490331 h 490331"/>
+                <a:gd name="connsiteX3" fmla="*/ 1338469 w 1338469"/>
+                <a:gd name="connsiteY3" fmla="*/ 159026 h 490331"/>
+                <a:gd name="connsiteX4" fmla="*/ 1219200 w 1338469"/>
+                <a:gd name="connsiteY4" fmla="*/ 66261 h 490331"/>
+                <a:gd name="connsiteX5" fmla="*/ 556591 w 1338469"/>
+                <a:gd name="connsiteY5" fmla="*/ 291548 h 490331"/>
+                <a:gd name="connsiteX6" fmla="*/ 132521 w 1338469"/>
+                <a:gd name="connsiteY6" fmla="*/ 0 h 490331"/>
+              </a:gdLst>
+              <a:ahLst/>
+              <a:cxnLst>
+                <a:cxn ang="0">
+                  <a:pos x="connsiteX0" y="connsiteY0"/>
+                </a:cxn>
+                <a:cxn ang="0">
+                  <a:pos x="connsiteX1" y="connsiteY1"/>
+                </a:cxn>
+                <a:cxn ang="0">
+                  <a:pos x="connsiteX2" y="connsiteY2"/>
+                </a:cxn>
+                <a:cxn ang="0">
+                  <a:pos x="connsiteX3" y="connsiteY3"/>
+                </a:cxn>
+                <a:cxn ang="0">
+                  <a:pos x="connsiteX4" y="connsiteY4"/>
+                </a:cxn>
+                <a:cxn ang="0">
+                  <a:pos x="connsiteX5" y="connsiteY5"/>
+                </a:cxn>
+                <a:cxn ang="0">
+                  <a:pos x="connsiteX6" y="connsiteY6"/>
+                </a:cxn>
+              </a:cxnLst>
+              <a:rect l="l" t="t" r="r" b="b"/>
+              <a:pathLst>
+                <a:path w="1338469" h="490331">
+                  <a:moveTo>
+                    <a:pt x="132521" y="0"/>
+                  </a:moveTo>
+                  <a:lnTo>
+                    <a:pt x="0" y="66261"/>
+                  </a:lnTo>
+                  <a:lnTo>
+                    <a:pt x="556591" y="490331"/>
+                  </a:lnTo>
+                  <a:lnTo>
+                    <a:pt x="1338469" y="159026"/>
+                  </a:lnTo>
+                  <a:lnTo>
+                    <a:pt x="1219200" y="66261"/>
+                  </a:lnTo>
+                  <a:lnTo>
+                    <a:pt x="556591" y="291548"/>
+                  </a:lnTo>
+                  <a:lnTo>
+                    <a:pt x="132521" y="0"/>
+                  </a:lnTo>
+                  <a:close/>
+                </a:path>
+              </a:pathLst>
+            </a:custGeom>
+            <a:noFill/>
+            <a:ln w="101600">
+              <a:solidFill>
+                <a:schemeClr val="tx1"/>
+              </a:solidFill>
+              <a:round/>
+            </a:ln>
+          </p:spPr>
+          <p:style>
+            <a:lnRef idx="2">
+              <a:schemeClr val="accent1">
+                <a:shade val="50000"/>
+              </a:schemeClr>
+            </a:lnRef>
+            <a:fillRef idx="1">
+              <a:schemeClr val="accent1"/>
+            </a:fillRef>
+            <a:effectRef idx="0">
+              <a:schemeClr val="accent1"/>
+            </a:effectRef>
+            <a:fontRef idx="minor">
+              <a:schemeClr val="lt1"/>
+            </a:fontRef>
+          </p:style>
+          <p:txBody>
+            <a:bodyPr rtlCol="0" anchor="ctr"/>
+            <a:lstStyle/>
+            <a:p>
+              <a:pPr algn="ctr"/>
+              <a:endParaRPr lang="en-AU"/>
+            </a:p>
+          </p:txBody>
+        </p:sp>
+        <p:sp>
+          <p:nvSpPr>
+            <p:cNvPr id="128" name="Freeform 127"/>
+            <p:cNvSpPr/>
+            <p:nvPr/>
+          </p:nvSpPr>
+          <p:spPr>
+            <a:xfrm>
+              <a:off x="4050401" y="5107526"/>
+              <a:ext cx="1338469" cy="490331"/>
+            </a:xfrm>
+            <a:custGeom>
+              <a:avLst/>
+              <a:gdLst>
+                <a:gd name="connsiteX0" fmla="*/ 132521 w 1338469"/>
+                <a:gd name="connsiteY0" fmla="*/ 0 h 490331"/>
+                <a:gd name="connsiteX1" fmla="*/ 0 w 1338469"/>
+                <a:gd name="connsiteY1" fmla="*/ 66261 h 490331"/>
+                <a:gd name="connsiteX2" fmla="*/ 556591 w 1338469"/>
+                <a:gd name="connsiteY2" fmla="*/ 490331 h 490331"/>
+                <a:gd name="connsiteX3" fmla="*/ 1338469 w 1338469"/>
+                <a:gd name="connsiteY3" fmla="*/ 159026 h 490331"/>
+                <a:gd name="connsiteX4" fmla="*/ 1219200 w 1338469"/>
+                <a:gd name="connsiteY4" fmla="*/ 66261 h 490331"/>
+                <a:gd name="connsiteX5" fmla="*/ 556591 w 1338469"/>
+                <a:gd name="connsiteY5" fmla="*/ 291548 h 490331"/>
+                <a:gd name="connsiteX6" fmla="*/ 132521 w 1338469"/>
+                <a:gd name="connsiteY6" fmla="*/ 0 h 490331"/>
+              </a:gdLst>
+              <a:ahLst/>
+              <a:cxnLst>
+                <a:cxn ang="0">
+                  <a:pos x="connsiteX0" y="connsiteY0"/>
+                </a:cxn>
+                <a:cxn ang="0">
+                  <a:pos x="connsiteX1" y="connsiteY1"/>
+                </a:cxn>
+                <a:cxn ang="0">
+                  <a:pos x="connsiteX2" y="connsiteY2"/>
+                </a:cxn>
+                <a:cxn ang="0">
+                  <a:pos x="connsiteX3" y="connsiteY3"/>
+                </a:cxn>
+                <a:cxn ang="0">
+                  <a:pos x="connsiteX4" y="connsiteY4"/>
+                </a:cxn>
+                <a:cxn ang="0">
+                  <a:pos x="connsiteX5" y="connsiteY5"/>
+                </a:cxn>
+                <a:cxn ang="0">
+                  <a:pos x="connsiteX6" y="connsiteY6"/>
+                </a:cxn>
+              </a:cxnLst>
+              <a:rect l="l" t="t" r="r" b="b"/>
+              <a:pathLst>
+                <a:path w="1338469" h="490331">
+                  <a:moveTo>
+                    <a:pt x="132521" y="0"/>
+                  </a:moveTo>
+                  <a:lnTo>
+                    <a:pt x="0" y="66261"/>
+                  </a:lnTo>
+                  <a:lnTo>
+                    <a:pt x="556591" y="490331"/>
+                  </a:lnTo>
+                  <a:lnTo>
+                    <a:pt x="1338469" y="159026"/>
+                  </a:lnTo>
+                  <a:lnTo>
+                    <a:pt x="1219200" y="66261"/>
+                  </a:lnTo>
+                  <a:lnTo>
+                    <a:pt x="556591" y="291548"/>
+                  </a:lnTo>
+                  <a:lnTo>
+                    <a:pt x="132521" y="0"/>
+                  </a:lnTo>
+                  <a:close/>
+                </a:path>
+              </a:pathLst>
+            </a:custGeom>
+            <a:noFill/>
+            <a:ln w="101600">
+              <a:solidFill>
+                <a:schemeClr val="tx1"/>
+              </a:solidFill>
+              <a:round/>
+            </a:ln>
+          </p:spPr>
+          <p:style>
+            <a:lnRef idx="2">
+              <a:schemeClr val="accent1">
+                <a:shade val="50000"/>
+              </a:schemeClr>
+            </a:lnRef>
+            <a:fillRef idx="1">
+              <a:schemeClr val="accent1"/>
+            </a:fillRef>
+            <a:effectRef idx="0">
+              <a:schemeClr val="accent1"/>
+            </a:effectRef>
+            <a:fontRef idx="minor">
+              <a:schemeClr val="lt1"/>
+            </a:fontRef>
+          </p:style>
+          <p:txBody>
+            <a:bodyPr rtlCol="0" anchor="ctr"/>
+            <a:lstStyle/>
+            <a:p>
+              <a:pPr algn="ctr"/>
+              <a:endParaRPr lang="en-AU"/>
+            </a:p>
+          </p:txBody>
+        </p:sp>
+      </p:grpSp>
+      <p:grpSp>
+        <p:nvGrpSpPr>
+          <p:cNvPr id="6" name="Group 5"/>
+          <p:cNvGrpSpPr/>
+          <p:nvPr/>
+        </p:nvGrpSpPr>
+        <p:grpSpPr>
+          <a:xfrm rot="5400000">
+            <a:off x="218224" y="3940059"/>
+            <a:ext cx="1234742" cy="932550"/>
+            <a:chOff x="4308662" y="5848422"/>
+            <a:chExt cx="1234742" cy="932550"/>
+          </a:xfrm>
+          <a:noFill/>
+        </p:grpSpPr>
+        <p:sp>
+          <p:nvSpPr>
+            <p:cNvPr id="126" name="Minus 125"/>
+            <p:cNvSpPr/>
+            <p:nvPr/>
+          </p:nvSpPr>
+          <p:spPr>
+            <a:xfrm rot="2783642">
+              <a:off x="4675685" y="5913253"/>
+              <a:ext cx="932550" cy="802888"/>
+            </a:xfrm>
+            <a:prstGeom prst="mathMinus">
+              <a:avLst>
+                <a:gd name="adj1" fmla="val 20742"/>
+              </a:avLst>
+            </a:prstGeom>
+            <a:grpFill/>
+            <a:ln w="95250" cap="rnd">
+              <a:solidFill>
+                <a:schemeClr val="tx1"/>
+              </a:solidFill>
+              <a:round/>
+            </a:ln>
+          </p:spPr>
+          <p:style>
+            <a:lnRef idx="2">
+              <a:schemeClr val="accent1">
+                <a:shade val="50000"/>
+              </a:schemeClr>
+            </a:lnRef>
+            <a:fillRef idx="1">
+              <a:schemeClr val="accent1"/>
+            </a:fillRef>
+            <a:effectRef idx="0">
+              <a:schemeClr val="accent1"/>
+            </a:effectRef>
+            <a:fontRef idx="minor">
+              <a:schemeClr val="lt1"/>
+            </a:fontRef>
+          </p:style>
+          <p:txBody>
+            <a:bodyPr rtlCol="0" anchor="ctr"/>
+            <a:lstStyle/>
+            <a:p>
+              <a:pPr algn="ctr"/>
+              <a:endParaRPr lang="en-AU"/>
+            </a:p>
+          </p:txBody>
+        </p:sp>
+        <p:sp>
+          <p:nvSpPr>
+            <p:cNvPr id="129" name="Minus 128"/>
+            <p:cNvSpPr/>
+            <p:nvPr/>
+          </p:nvSpPr>
+          <p:spPr>
+            <a:xfrm rot="18950970">
+              <a:off x="4308662" y="5904086"/>
+              <a:ext cx="932550" cy="802888"/>
+            </a:xfrm>
+            <a:prstGeom prst="mathMinus">
+              <a:avLst>
+                <a:gd name="adj1" fmla="val 20742"/>
+              </a:avLst>
+            </a:prstGeom>
+            <a:grpFill/>
+            <a:ln w="95250" cap="rnd">
+              <a:solidFill>
+                <a:schemeClr val="tx1"/>
+              </a:solidFill>
+              <a:round/>
+            </a:ln>
+          </p:spPr>
+          <p:style>
+            <a:lnRef idx="2">
+              <a:schemeClr val="accent1">
+                <a:shade val="50000"/>
+              </a:schemeClr>
+            </a:lnRef>
+            <a:fillRef idx="1">
+              <a:schemeClr val="accent1"/>
+            </a:fillRef>
+            <a:effectRef idx="0">
+              <a:schemeClr val="accent1"/>
+            </a:effectRef>
+            <a:fontRef idx="minor">
+              <a:schemeClr val="lt1"/>
+            </a:fontRef>
+          </p:style>
+          <p:txBody>
+            <a:bodyPr rtlCol="0" anchor="ctr"/>
+            <a:lstStyle/>
+            <a:p>
+              <a:pPr algn="ctr"/>
+              <a:endParaRPr lang="en-AU"/>
+            </a:p>
+          </p:txBody>
+        </p:sp>
+      </p:grpSp>
+      <p:pic>
+        <p:nvPicPr>
+          <p:cNvPr id="230" name="Picture 229"/>
+          <p:cNvPicPr>
+            <a:picLocks/>
+          </p:cNvPicPr>
+          <p:nvPr/>
+        </p:nvPicPr>
+        <p:blipFill rotWithShape="1">
+          <a:blip r:embed="rId3"/>
+          <a:srcRect l="2253" t="23800" r="47595" b="23683"/>
+          <a:stretch/>
+        </p:blipFill>
+        <p:spPr>
+          <a:xfrm>
+            <a:off x="11263255" y="2651760"/>
+            <a:ext cx="847537" cy="726141"/>
+          </a:xfrm>
+          <a:prstGeom prst="rect">
+            <a:avLst/>
+          </a:prstGeom>
+        </p:spPr>
+      </p:pic>
+      <p:grpSp>
+        <p:nvGrpSpPr>
+          <p:cNvPr id="235" name="Group 234"/>
+          <p:cNvGrpSpPr/>
+          <p:nvPr/>
+        </p:nvGrpSpPr>
+        <p:grpSpPr>
+          <a:xfrm>
+            <a:off x="11263836" y="3400451"/>
+            <a:ext cx="854080" cy="924602"/>
+            <a:chOff x="10526926" y="3441917"/>
+            <a:chExt cx="854080" cy="924602"/>
+          </a:xfrm>
+        </p:grpSpPr>
+        <p:pic>
+          <p:nvPicPr>
+            <p:cNvPr id="144" name="Picture 143"/>
+            <p:cNvPicPr>
+              <a:picLocks/>
+            </p:cNvPicPr>
+            <p:nvPr/>
+          </p:nvPicPr>
+          <p:blipFill rotWithShape="1">
+            <a:blip r:embed="rId3"/>
+            <a:srcRect l="-1704" t="19584" r="47595" b="14284"/>
+            <a:stretch/>
+          </p:blipFill>
+          <p:spPr>
+            <a:xfrm>
+              <a:off x="10526926" y="3452119"/>
+              <a:ext cx="509166" cy="914400"/>
+            </a:xfrm>
+            <a:prstGeom prst="rect">
+              <a:avLst/>
+            </a:prstGeom>
+          </p:spPr>
+        </p:pic>
+        <p:pic>
+          <p:nvPicPr>
+            <p:cNvPr id="145" name="Picture 144"/>
+            <p:cNvPicPr>
+              <a:picLocks/>
+            </p:cNvPicPr>
+            <p:nvPr/>
+          </p:nvPicPr>
+          <p:blipFill rotWithShape="1">
+            <a:blip r:embed="rId3"/>
+            <a:srcRect l="-1704" t="19584" r="47595" b="14284"/>
+            <a:stretch/>
+          </p:blipFill>
+          <p:spPr>
+            <a:xfrm>
+              <a:off x="10871840" y="3441917"/>
+              <a:ext cx="509166" cy="914400"/>
+            </a:xfrm>
+            <a:prstGeom prst="rect">
+              <a:avLst/>
+            </a:prstGeom>
+          </p:spPr>
+        </p:pic>
+      </p:grpSp>
+      <p:grpSp>
+        <p:nvGrpSpPr>
+          <p:cNvPr id="244" name="Group 243"/>
+          <p:cNvGrpSpPr/>
+          <p:nvPr/>
+        </p:nvGrpSpPr>
+        <p:grpSpPr>
+          <a:xfrm rot="20585826">
+            <a:off x="4618494" y="3964936"/>
+            <a:ext cx="503961" cy="868835"/>
+            <a:chOff x="4618494" y="3964936"/>
+            <a:chExt cx="503961" cy="868835"/>
+          </a:xfrm>
+        </p:grpSpPr>
+        <p:grpSp>
+          <p:nvGrpSpPr>
+            <p:cNvPr id="242" name="Group 241"/>
+            <p:cNvGrpSpPr/>
+            <p:nvPr/>
+          </p:nvGrpSpPr>
+          <p:grpSpPr>
+            <a:xfrm rot="960670">
+              <a:off x="4618494" y="3964936"/>
+              <a:ext cx="503961" cy="868835"/>
+              <a:chOff x="4627119" y="2878185"/>
+              <a:chExt cx="673652" cy="1446048"/>
+            </a:xfrm>
+          </p:grpSpPr>
+          <p:sp>
+            <p:nvSpPr>
+              <p:cNvPr id="153" name="Moon 152"/>
+              <p:cNvSpPr/>
+              <p:nvPr/>
+            </p:nvSpPr>
+            <p:spPr>
+              <a:xfrm rot="1776282">
+                <a:off x="5032632" y="3195338"/>
+                <a:ext cx="268139" cy="1128895"/>
+              </a:xfrm>
+              <a:prstGeom prst="moon">
+                <a:avLst>
+                  <a:gd name="adj" fmla="val 30180"/>
+                </a:avLst>
+              </a:prstGeom>
+              <a:solidFill>
+                <a:schemeClr val="accent6">
+                  <a:lumMod val="75000"/>
+                </a:schemeClr>
+              </a:solidFill>
+              <a:ln>
+                <a:noFill/>
+              </a:ln>
+            </p:spPr>
+            <p:style>
+              <a:lnRef idx="2">
+                <a:schemeClr val="accent1">
+                  <a:shade val="50000"/>
+                </a:schemeClr>
+              </a:lnRef>
+              <a:fillRef idx="1">
+                <a:schemeClr val="accent1"/>
+              </a:fillRef>
+              <a:effectRef idx="0">
+                <a:schemeClr val="accent1"/>
+              </a:effectRef>
+              <a:fontRef idx="minor">
+                <a:schemeClr val="lt1"/>
+              </a:fontRef>
+            </p:style>
+            <p:txBody>
+              <a:bodyPr rtlCol="0" anchor="ctr"/>
+              <a:lstStyle/>
+              <a:p>
+                <a:pPr algn="ctr"/>
+                <a:endParaRPr lang="en-AU"/>
+              </a:p>
+            </p:txBody>
+          </p:sp>
+          <p:sp>
+            <p:nvSpPr>
+              <p:cNvPr id="155" name="Moon 154"/>
+              <p:cNvSpPr/>
+              <p:nvPr/>
+            </p:nvSpPr>
+            <p:spPr>
+              <a:xfrm rot="1024746">
+                <a:off x="4960252" y="3052123"/>
+                <a:ext cx="268139" cy="1128895"/>
+              </a:xfrm>
+              <a:prstGeom prst="moon">
+                <a:avLst>
+                  <a:gd name="adj" fmla="val 30180"/>
+                </a:avLst>
+              </a:prstGeom>
+              <a:solidFill>
+                <a:schemeClr val="accent6">
+                  <a:lumMod val="75000"/>
+                </a:schemeClr>
+              </a:solidFill>
+              <a:ln>
+                <a:noFill/>
+              </a:ln>
+            </p:spPr>
+            <p:style>
+              <a:lnRef idx="2">
+                <a:schemeClr val="accent1">
+                  <a:shade val="50000"/>
+                </a:schemeClr>
+              </a:lnRef>
+              <a:fillRef idx="1">
+                <a:schemeClr val="accent1"/>
+              </a:fillRef>
+              <a:effectRef idx="0">
+                <a:schemeClr val="accent1"/>
+              </a:effectRef>
+              <a:fontRef idx="minor">
+                <a:schemeClr val="lt1"/>
+              </a:fontRef>
+            </p:style>
+            <p:txBody>
+              <a:bodyPr rtlCol="0" anchor="ctr"/>
+              <a:lstStyle/>
+              <a:p>
+                <a:pPr algn="ctr"/>
+                <a:endParaRPr lang="en-AU"/>
+              </a:p>
+            </p:txBody>
+          </p:sp>
+          <p:sp>
+            <p:nvSpPr>
+              <p:cNvPr id="156" name="Moon 155"/>
+              <p:cNvSpPr/>
+              <p:nvPr/>
+            </p:nvSpPr>
+            <p:spPr>
+              <a:xfrm rot="19823718" flipH="1">
+                <a:off x="4627119" y="3021400"/>
+                <a:ext cx="268139" cy="1128895"/>
+              </a:xfrm>
+              <a:prstGeom prst="moon">
+                <a:avLst>
+                  <a:gd name="adj" fmla="val 30180"/>
+                </a:avLst>
+              </a:prstGeom>
+              <a:solidFill>
+                <a:schemeClr val="accent6">
+                  <a:lumMod val="75000"/>
+                </a:schemeClr>
+              </a:solidFill>
+              <a:ln>
+                <a:noFill/>
+              </a:ln>
+            </p:spPr>
+            <p:style>
+              <a:lnRef idx="2">
+                <a:schemeClr val="accent1">
+                  <a:shade val="50000"/>
+                </a:schemeClr>
+              </a:lnRef>
+              <a:fillRef idx="1">
+                <a:schemeClr val="accent1"/>
+              </a:fillRef>
+              <a:effectRef idx="0">
+                <a:schemeClr val="accent1"/>
+              </a:effectRef>
+              <a:fontRef idx="minor">
+                <a:schemeClr val="lt1"/>
+              </a:fontRef>
+            </p:style>
+            <p:txBody>
+              <a:bodyPr rtlCol="0" anchor="ctr"/>
+              <a:lstStyle/>
+              <a:p>
+                <a:pPr algn="ctr"/>
+                <a:endParaRPr lang="en-AU"/>
+              </a:p>
+            </p:txBody>
+          </p:sp>
+          <p:sp>
+            <p:nvSpPr>
+              <p:cNvPr id="157" name="Moon 156"/>
+              <p:cNvSpPr/>
+              <p:nvPr/>
+            </p:nvSpPr>
+            <p:spPr>
+              <a:xfrm rot="20028799" flipH="1">
+                <a:off x="4662127" y="3443999"/>
+                <a:ext cx="268139" cy="818667"/>
+              </a:xfrm>
+              <a:prstGeom prst="moon">
+                <a:avLst>
+                  <a:gd name="adj" fmla="val 30180"/>
+                </a:avLst>
+              </a:prstGeom>
+              <a:solidFill>
+                <a:schemeClr val="accent6">
+                  <a:lumMod val="75000"/>
+                </a:schemeClr>
+              </a:solidFill>
+              <a:ln>
+                <a:noFill/>
+              </a:ln>
+            </p:spPr>
+            <p:style>
+              <a:lnRef idx="2">
+                <a:schemeClr val="accent1">
+                  <a:shade val="50000"/>
+                </a:schemeClr>
+              </a:lnRef>
+              <a:fillRef idx="1">
+                <a:schemeClr val="accent1"/>
+              </a:fillRef>
+              <a:effectRef idx="0">
+                <a:schemeClr val="accent1"/>
+              </a:effectRef>
+              <a:fontRef idx="minor">
+                <a:schemeClr val="lt1"/>
+              </a:fontRef>
+            </p:style>
+            <p:txBody>
+              <a:bodyPr rtlCol="0" anchor="ctr"/>
+              <a:lstStyle/>
+              <a:p>
+                <a:pPr algn="ctr"/>
+                <a:endParaRPr lang="en-AU"/>
+              </a:p>
+            </p:txBody>
+          </p:sp>
+          <p:sp>
+            <p:nvSpPr>
+              <p:cNvPr id="158" name="Moon 157"/>
+              <p:cNvSpPr/>
+              <p:nvPr/>
+            </p:nvSpPr>
+            <p:spPr>
+              <a:xfrm rot="20575254" flipH="1">
+                <a:off x="4699499" y="2878185"/>
+                <a:ext cx="268139" cy="1128895"/>
+              </a:xfrm>
+              <a:prstGeom prst="moon">
+                <a:avLst>
+                  <a:gd name="adj" fmla="val 30180"/>
+                </a:avLst>
+              </a:prstGeom>
+              <a:solidFill>
+                <a:schemeClr val="accent6">
+                  <a:lumMod val="75000"/>
+                </a:schemeClr>
+              </a:solidFill>
+              <a:ln>
+                <a:noFill/>
+              </a:ln>
+            </p:spPr>
+            <p:style>
+              <a:lnRef idx="2">
+                <a:schemeClr val="accent1">
+                  <a:shade val="50000"/>
+                </a:schemeClr>
+              </a:lnRef>
+              <a:fillRef idx="1">
+                <a:schemeClr val="accent1"/>
+              </a:fillRef>
+              <a:effectRef idx="0">
+                <a:schemeClr val="accent1"/>
+              </a:effectRef>
+              <a:fontRef idx="minor">
+                <a:schemeClr val="lt1"/>
+              </a:fontRef>
+            </p:style>
+            <p:txBody>
+              <a:bodyPr rtlCol="0" anchor="ctr"/>
+              <a:lstStyle/>
+              <a:p>
+                <a:pPr algn="ctr"/>
+                <a:endParaRPr lang="en-AU"/>
+              </a:p>
+            </p:txBody>
+          </p:sp>
+        </p:grpSp>
+        <p:sp>
+          <p:nvSpPr>
+            <p:cNvPr id="163" name="Rectangle 162"/>
+            <p:cNvSpPr/>
+            <p:nvPr/>
+          </p:nvSpPr>
+          <p:spPr>
+            <a:xfrm rot="1094518">
+              <a:off x="4720083" y="4471219"/>
+              <a:ext cx="148074" cy="313464"/>
+            </a:xfrm>
+            <a:prstGeom prst="rect">
+              <a:avLst/>
+            </a:prstGeom>
+            <a:solidFill>
+              <a:schemeClr val="accent6">
+                <a:lumMod val="75000"/>
+              </a:schemeClr>
+            </a:solidFill>
+            <a:ln>
+              <a:noFill/>
+              <a:bevel/>
+            </a:ln>
+          </p:spPr>
+          <p:style>
+            <a:lnRef idx="2">
+              <a:schemeClr val="accent1">
+                <a:shade val="50000"/>
+              </a:schemeClr>
+            </a:lnRef>
+            <a:fillRef idx="1">
+              <a:schemeClr val="accent1"/>
+            </a:fillRef>
+            <a:effectRef idx="0">
+              <a:schemeClr val="accent1"/>
+            </a:effectRef>
+            <a:fontRef idx="minor">
+              <a:schemeClr val="lt1"/>
+            </a:fontRef>
+          </p:style>
+          <p:txBody>
+            <a:bodyPr rtlCol="0" anchor="ctr"/>
+            <a:lstStyle/>
+            <a:p>
+              <a:pPr algn="ctr"/>
+              <a:endParaRPr lang="en-AU"/>
+            </a:p>
+          </p:txBody>
+        </p:sp>
+      </p:grpSp>
+      <p:pic>
+        <p:nvPicPr>
+          <p:cNvPr id="245" name="Picture 244"/>
+          <p:cNvPicPr>
+            <a:picLocks noChangeAspect="1"/>
+          </p:cNvPicPr>
+          <p:nvPr/>
+        </p:nvPicPr>
+        <p:blipFill rotWithShape="1">
+          <a:blip r:embed="rId4"/>
+          <a:srcRect t="-812" b="16138"/>
+          <a:stretch/>
+        </p:blipFill>
+        <p:spPr>
+          <a:xfrm>
+            <a:off x="2945753" y="4055574"/>
+            <a:ext cx="755970" cy="769162"/>
+          </a:xfrm>
+          <a:prstGeom prst="rect">
+            <a:avLst/>
+          </a:prstGeom>
+        </p:spPr>
+      </p:pic>
+      <p:grpSp>
+        <p:nvGrpSpPr>
+          <p:cNvPr id="43" name="Group 42"/>
+          <p:cNvGrpSpPr/>
+          <p:nvPr/>
+        </p:nvGrpSpPr>
+        <p:grpSpPr>
+          <a:xfrm>
+            <a:off x="3559461" y="5026847"/>
+            <a:ext cx="2183578" cy="1957486"/>
+            <a:chOff x="3559461" y="5026847"/>
+            <a:chExt cx="2183578" cy="1957486"/>
+          </a:xfrm>
+        </p:grpSpPr>
+        <p:pic>
+          <p:nvPicPr>
+            <p:cNvPr id="243" name="Picture 242"/>
+            <p:cNvPicPr>
+              <a:picLocks noChangeAspect="1"/>
+            </p:cNvPicPr>
+            <p:nvPr/>
+          </p:nvPicPr>
+          <p:blipFill rotWithShape="1">
+            <a:blip r:embed="rId5"/>
+            <a:srcRect t="1" r="-794" b="26045"/>
+            <a:stretch/>
+          </p:blipFill>
+          <p:spPr>
+            <a:xfrm rot="19041326">
+              <a:off x="3559461" y="6013686"/>
+              <a:ext cx="900000" cy="640647"/>
+            </a:xfrm>
+            <a:prstGeom prst="rect">
+              <a:avLst/>
+            </a:prstGeom>
+          </p:spPr>
+        </p:pic>
+        <p:grpSp>
+          <p:nvGrpSpPr>
+            <p:cNvPr id="41" name="Group 40"/>
+            <p:cNvGrpSpPr/>
+            <p:nvPr/>
+          </p:nvGrpSpPr>
+          <p:grpSpPr>
+            <a:xfrm rot="220440">
+              <a:off x="4920008" y="5028508"/>
+              <a:ext cx="823031" cy="1537367"/>
+              <a:chOff x="5191039" y="5032060"/>
+              <a:chExt cx="823031" cy="1537367"/>
+            </a:xfrm>
+          </p:grpSpPr>
+          <p:sp>
+            <p:nvSpPr>
+              <p:cNvPr id="169" name="Rounded Rectangle 168"/>
+              <p:cNvSpPr/>
+              <p:nvPr/>
+            </p:nvSpPr>
+            <p:spPr>
+              <a:xfrm rot="17144445">
+                <a:off x="5304443" y="6093953"/>
+                <a:ext cx="257878" cy="145313"/>
+              </a:xfrm>
+              <a:prstGeom prst="roundRect">
+                <a:avLst/>
+              </a:prstGeom>
+              <a:solidFill>
+                <a:schemeClr val="tx1"/>
+              </a:solidFill>
+              <a:ln w="22225">
+                <a:noFill/>
+              </a:ln>
+            </p:spPr>
+            <p:style>
+              <a:lnRef idx="2">
+                <a:schemeClr val="accent1">
+                  <a:shade val="50000"/>
+                </a:schemeClr>
+              </a:lnRef>
+              <a:fillRef idx="1">
+                <a:schemeClr val="accent1"/>
+              </a:fillRef>
+              <a:effectRef idx="0">
+                <a:schemeClr val="accent1"/>
+              </a:effectRef>
+              <a:fontRef idx="minor">
+                <a:schemeClr val="lt1"/>
+              </a:fontRef>
+            </p:style>
+            <p:txBody>
+              <a:bodyPr rtlCol="0" anchor="ctr"/>
+              <a:lstStyle/>
+              <a:p>
+                <a:pPr algn="ctr"/>
+                <a:endParaRPr lang="en-AU"/>
+              </a:p>
+            </p:txBody>
+          </p:sp>
+          <p:sp>
+            <p:nvSpPr>
+              <p:cNvPr id="171" name="Rounded Rectangle 170"/>
+              <p:cNvSpPr/>
+              <p:nvPr/>
+            </p:nvSpPr>
+            <p:spPr>
+              <a:xfrm rot="18415026">
+                <a:off x="5168692" y="6367831"/>
+                <a:ext cx="257878" cy="145313"/>
+              </a:xfrm>
+              <a:prstGeom prst="roundRect">
+                <a:avLst/>
+              </a:prstGeom>
+              <a:solidFill>
+                <a:schemeClr val="tx1"/>
+              </a:solidFill>
+              <a:ln w="22225">
+                <a:noFill/>
+              </a:ln>
+            </p:spPr>
+            <p:style>
+              <a:lnRef idx="2">
+                <a:schemeClr val="accent1">
+                  <a:shade val="50000"/>
+                </a:schemeClr>
+              </a:lnRef>
+              <a:fillRef idx="1">
+                <a:schemeClr val="accent1"/>
+              </a:fillRef>
+              <a:effectRef idx="0">
+                <a:schemeClr val="accent1"/>
+              </a:effectRef>
+              <a:fontRef idx="minor">
+                <a:schemeClr val="lt1"/>
+              </a:fontRef>
+            </p:style>
+            <p:txBody>
+              <a:bodyPr rtlCol="0" anchor="ctr"/>
+              <a:lstStyle/>
+              <a:p>
+                <a:pPr algn="ctr"/>
+                <a:endParaRPr lang="en-AU"/>
+              </a:p>
+            </p:txBody>
+          </p:sp>
+          <p:pic>
+            <p:nvPicPr>
+              <p:cNvPr id="249" name="Picture 248"/>
+              <p:cNvPicPr>
+                <a:picLocks noChangeAspect="1"/>
+              </p:cNvPicPr>
+              <p:nvPr/>
+            </p:nvPicPr>
+            <p:blipFill rotWithShape="1">
+              <a:blip r:embed="rId6"/>
+              <a:srcRect b="14701"/>
+              <a:stretch/>
+            </p:blipFill>
+            <p:spPr>
+              <a:xfrm rot="587535">
+                <a:off x="5191039" y="5032060"/>
+                <a:ext cx="823031" cy="712437"/>
+              </a:xfrm>
+              <a:prstGeom prst="rect">
+                <a:avLst/>
+              </a:prstGeom>
+            </p:spPr>
+          </p:pic>
+          <p:sp>
+            <p:nvSpPr>
+              <p:cNvPr id="252" name="Rounded Rectangle 251"/>
+              <p:cNvSpPr/>
+              <p:nvPr/>
+            </p:nvSpPr>
+            <p:spPr>
+              <a:xfrm rot="16869721">
+                <a:off x="5373663" y="5812297"/>
+                <a:ext cx="257878" cy="145313"/>
+              </a:xfrm>
+              <a:prstGeom prst="roundRect">
+                <a:avLst/>
+              </a:prstGeom>
+              <a:solidFill>
+                <a:schemeClr val="tx1"/>
+              </a:solidFill>
+              <a:ln w="22225">
+                <a:noFill/>
+              </a:ln>
+            </p:spPr>
+            <p:style>
+              <a:lnRef idx="2">
+                <a:schemeClr val="accent1">
+                  <a:shade val="50000"/>
+                </a:schemeClr>
+              </a:lnRef>
+              <a:fillRef idx="1">
+                <a:schemeClr val="accent1"/>
+              </a:fillRef>
+              <a:effectRef idx="0">
+                <a:schemeClr val="accent1"/>
+              </a:effectRef>
+              <a:fontRef idx="minor">
+                <a:schemeClr val="lt1"/>
+              </a:fontRef>
+            </p:style>
+            <p:txBody>
+              <a:bodyPr rtlCol="0" anchor="ctr"/>
+              <a:lstStyle/>
+              <a:p>
+                <a:pPr algn="ctr"/>
+                <a:endParaRPr lang="en-AU"/>
+              </a:p>
+            </p:txBody>
+          </p:sp>
+        </p:grpSp>
+        <p:sp>
+          <p:nvSpPr>
+            <p:cNvPr id="255" name="TextBox 254"/>
+            <p:cNvSpPr txBox="1"/>
+            <p:nvPr/>
+          </p:nvSpPr>
+          <p:spPr>
+            <a:xfrm>
+              <a:off x="4062723" y="5026847"/>
+              <a:ext cx="1160895" cy="1862048"/>
+            </a:xfrm>
+            <a:prstGeom prst="rect">
+              <a:avLst/>
+            </a:prstGeom>
+            <a:noFill/>
+          </p:spPr>
+          <p:txBody>
+            <a:bodyPr wrap="none" rtlCol="0">
+              <a:spAutoFit/>
+            </a:bodyPr>
+            <a:lstStyle/>
+            <a:p>
+              <a:r>
+                <a:rPr lang="en-US" sz="11500" dirty="0" smtClean="0"/>
+                <a:t>O</a:t>
+              </a:r>
+              <a:endParaRPr lang="en-AU" sz="11500" dirty="0"/>
+            </a:p>
+          </p:txBody>
+        </p:sp>
+        <p:sp>
+          <p:nvSpPr>
+            <p:cNvPr id="174" name="TextBox 173"/>
+            <p:cNvSpPr txBox="1"/>
+            <p:nvPr/>
+          </p:nvSpPr>
+          <p:spPr>
+            <a:xfrm>
+              <a:off x="4233047" y="5414673"/>
+              <a:ext cx="782587" cy="1569660"/>
+            </a:xfrm>
+            <a:prstGeom prst="rect">
+              <a:avLst/>
+            </a:prstGeom>
+            <a:noFill/>
+          </p:spPr>
+          <p:txBody>
+            <a:bodyPr wrap="none" rtlCol="0">
+              <a:spAutoFit/>
+            </a:bodyPr>
+            <a:lstStyle/>
+            <a:p>
+              <a:r>
+                <a:rPr lang="en-US" sz="9600" dirty="0" smtClean="0">
+                  <a:latin typeface="Bahnschrift" panose="020B0502040204020203" pitchFamily="34" charset="0"/>
+                  <a:cs typeface="Segoe UI" panose="020B0502040204020203" pitchFamily="34" charset="0"/>
+                </a:rPr>
+                <a:t>c</a:t>
+              </a:r>
+              <a:endParaRPr lang="en-AU" sz="9600" dirty="0">
+                <a:latin typeface="Bahnschrift" panose="020B0502040204020203" pitchFamily="34" charset="0"/>
+                <a:cs typeface="Segoe UI" panose="020B0502040204020203" pitchFamily="34" charset="0"/>
+              </a:endParaRPr>
+            </a:p>
+          </p:txBody>
+        </p:sp>
+      </p:grpSp>
+      <p:grpSp>
+        <p:nvGrpSpPr>
+          <p:cNvPr id="185" name="Group 184"/>
+          <p:cNvGrpSpPr/>
+          <p:nvPr/>
+        </p:nvGrpSpPr>
+        <p:grpSpPr>
+          <a:xfrm rot="220440">
+            <a:off x="7816085" y="5792357"/>
+            <a:ext cx="823031" cy="1537367"/>
+            <a:chOff x="5191039" y="5032060"/>
+            <a:chExt cx="823031" cy="1537367"/>
+          </a:xfrm>
+        </p:grpSpPr>
+        <p:sp>
+          <p:nvSpPr>
+            <p:cNvPr id="186" name="Rounded Rectangle 185"/>
+            <p:cNvSpPr/>
+            <p:nvPr/>
+          </p:nvSpPr>
+          <p:spPr>
+            <a:xfrm rot="17144445">
+              <a:off x="5304443" y="6093953"/>
+              <a:ext cx="257878" cy="145313"/>
+            </a:xfrm>
+            <a:prstGeom prst="roundRect">
+              <a:avLst/>
+            </a:prstGeom>
+            <a:solidFill>
+              <a:schemeClr val="tx1"/>
+            </a:solidFill>
+            <a:ln w="22225">
+              <a:noFill/>
+            </a:ln>
+          </p:spPr>
+          <p:style>
+            <a:lnRef idx="2">
+              <a:schemeClr val="accent1">
+                <a:shade val="50000"/>
+              </a:schemeClr>
+            </a:lnRef>
+            <a:fillRef idx="1">
+              <a:schemeClr val="accent1"/>
+            </a:fillRef>
+            <a:effectRef idx="0">
+              <a:schemeClr val="accent1"/>
+            </a:effectRef>
+            <a:fontRef idx="minor">
+              <a:schemeClr val="lt1"/>
+            </a:fontRef>
+          </p:style>
+          <p:txBody>
+            <a:bodyPr rtlCol="0" anchor="ctr"/>
+            <a:lstStyle/>
+            <a:p>
+              <a:pPr algn="ctr"/>
+              <a:endParaRPr lang="en-AU"/>
+            </a:p>
+          </p:txBody>
+        </p:sp>
+        <p:sp>
+          <p:nvSpPr>
+            <p:cNvPr id="187" name="Rounded Rectangle 186"/>
+            <p:cNvSpPr/>
+            <p:nvPr/>
+          </p:nvSpPr>
+          <p:spPr>
+            <a:xfrm rot="18415026">
+              <a:off x="5168692" y="6367831"/>
+              <a:ext cx="257878" cy="145313"/>
+            </a:xfrm>
+            <a:prstGeom prst="roundRect">
+              <a:avLst/>
+            </a:prstGeom>
+            <a:solidFill>
+              <a:schemeClr val="tx1"/>
+            </a:solidFill>
+            <a:ln w="22225">
+              <a:noFill/>
+            </a:ln>
+          </p:spPr>
+          <p:style>
+            <a:lnRef idx="2">
+              <a:schemeClr val="accent1">
+                <a:shade val="50000"/>
+              </a:schemeClr>
+            </a:lnRef>
+            <a:fillRef idx="1">
+              <a:schemeClr val="accent1"/>
+            </a:fillRef>
+            <a:effectRef idx="0">
+              <a:schemeClr val="accent1"/>
+            </a:effectRef>
+            <a:fontRef idx="minor">
+              <a:schemeClr val="lt1"/>
+            </a:fontRef>
+          </p:style>
+          <p:txBody>
+            <a:bodyPr rtlCol="0" anchor="ctr"/>
+            <a:lstStyle/>
+            <a:p>
+              <a:pPr algn="ctr"/>
+              <a:endParaRPr lang="en-AU"/>
+            </a:p>
+          </p:txBody>
+        </p:sp>
+        <p:pic>
+          <p:nvPicPr>
+            <p:cNvPr id="188" name="Picture 187"/>
+            <p:cNvPicPr>
+              <a:picLocks noChangeAspect="1"/>
+            </p:cNvPicPr>
+            <p:nvPr/>
+          </p:nvPicPr>
+          <p:blipFill rotWithShape="1">
+            <a:blip r:embed="rId6"/>
+            <a:srcRect b="14701"/>
+            <a:stretch/>
+          </p:blipFill>
+          <p:spPr>
+            <a:xfrm rot="587535">
+              <a:off x="5191039" y="5032060"/>
+              <a:ext cx="823031" cy="712437"/>
+            </a:xfrm>
+            <a:prstGeom prst="rect">
+              <a:avLst/>
+            </a:prstGeom>
+          </p:spPr>
+        </p:pic>
+        <p:sp>
+          <p:nvSpPr>
+            <p:cNvPr id="189" name="Rounded Rectangle 188"/>
+            <p:cNvSpPr/>
+            <p:nvPr/>
+          </p:nvSpPr>
+          <p:spPr>
+            <a:xfrm rot="16869721">
+              <a:off x="5373663" y="5812297"/>
+              <a:ext cx="257878" cy="145313"/>
+            </a:xfrm>
+            <a:prstGeom prst="roundRect">
+              <a:avLst/>
+            </a:prstGeom>
+            <a:solidFill>
+              <a:schemeClr val="tx1"/>
+            </a:solidFill>
+            <a:ln w="22225">
+              <a:noFill/>
+            </a:ln>
+          </p:spPr>
+          <p:style>
+            <a:lnRef idx="2">
+              <a:schemeClr val="accent1">
+                <a:shade val="50000"/>
+              </a:schemeClr>
+            </a:lnRef>
+            <a:fillRef idx="1">
+              <a:schemeClr val="accent1"/>
+            </a:fillRef>
+            <a:effectRef idx="0">
+              <a:schemeClr val="accent1"/>
+            </a:effectRef>
+            <a:fontRef idx="minor">
+              <a:schemeClr val="lt1"/>
+            </a:fontRef>
+          </p:style>
+          <p:txBody>
+            <a:bodyPr rtlCol="0" anchor="ctr"/>
+            <a:lstStyle/>
+            <a:p>
+              <a:pPr algn="ctr"/>
+              <a:endParaRPr lang="en-AU"/>
+            </a:p>
+          </p:txBody>
+        </p:sp>
+      </p:grpSp>
+      <p:grpSp>
+        <p:nvGrpSpPr>
+          <p:cNvPr id="190" name="Group 189"/>
+          <p:cNvGrpSpPr/>
+          <p:nvPr/>
+        </p:nvGrpSpPr>
+        <p:grpSpPr>
+          <a:xfrm rot="21379560" flipH="1">
+            <a:off x="9681110" y="5753301"/>
+            <a:ext cx="823031" cy="1537367"/>
+            <a:chOff x="5191039" y="5032060"/>
+            <a:chExt cx="823031" cy="1537367"/>
+          </a:xfrm>
+        </p:grpSpPr>
+        <p:sp>
+          <p:nvSpPr>
+            <p:cNvPr id="191" name="Rounded Rectangle 190"/>
+            <p:cNvSpPr/>
+            <p:nvPr/>
+          </p:nvSpPr>
+          <p:spPr>
+            <a:xfrm rot="17144445">
+              <a:off x="5304443" y="6093953"/>
+              <a:ext cx="257878" cy="145313"/>
+            </a:xfrm>
+            <a:prstGeom prst="roundRect">
+              <a:avLst/>
+            </a:prstGeom>
+            <a:solidFill>
+              <a:schemeClr val="tx1"/>
+            </a:solidFill>
+            <a:ln w="22225">
+              <a:noFill/>
+            </a:ln>
+          </p:spPr>
+          <p:style>
+            <a:lnRef idx="2">
+              <a:schemeClr val="accent1">
+                <a:shade val="50000"/>
+              </a:schemeClr>
+            </a:lnRef>
+            <a:fillRef idx="1">
+              <a:schemeClr val="accent1"/>
+            </a:fillRef>
+            <a:effectRef idx="0">
+              <a:schemeClr val="accent1"/>
+            </a:effectRef>
+            <a:fontRef idx="minor">
+              <a:schemeClr val="lt1"/>
+            </a:fontRef>
+          </p:style>
+          <p:txBody>
+            <a:bodyPr rtlCol="0" anchor="ctr"/>
+            <a:lstStyle/>
+            <a:p>
+              <a:pPr algn="ctr"/>
+              <a:endParaRPr lang="en-AU"/>
+            </a:p>
+          </p:txBody>
+        </p:sp>
+        <p:sp>
+          <p:nvSpPr>
+            <p:cNvPr id="192" name="Rounded Rectangle 191"/>
+            <p:cNvSpPr/>
+            <p:nvPr/>
+          </p:nvSpPr>
+          <p:spPr>
+            <a:xfrm rot="18415026">
+              <a:off x="5168692" y="6367831"/>
+              <a:ext cx="257878" cy="145313"/>
+            </a:xfrm>
+            <a:prstGeom prst="roundRect">
+              <a:avLst/>
+            </a:prstGeom>
+            <a:solidFill>
+              <a:schemeClr val="tx1"/>
+            </a:solidFill>
+            <a:ln w="22225">
+              <a:noFill/>
+            </a:ln>
+          </p:spPr>
+          <p:style>
+            <a:lnRef idx="2">
+              <a:schemeClr val="accent1">
+                <a:shade val="50000"/>
+              </a:schemeClr>
+            </a:lnRef>
+            <a:fillRef idx="1">
+              <a:schemeClr val="accent1"/>
+            </a:fillRef>
+            <a:effectRef idx="0">
+              <a:schemeClr val="accent1"/>
+            </a:effectRef>
+            <a:fontRef idx="minor">
+              <a:schemeClr val="lt1"/>
+            </a:fontRef>
+          </p:style>
+          <p:txBody>
+            <a:bodyPr rtlCol="0" anchor="ctr"/>
+            <a:lstStyle/>
+            <a:p>
+              <a:pPr algn="ctr"/>
+              <a:endParaRPr lang="en-AU"/>
+            </a:p>
+          </p:txBody>
+        </p:sp>
+        <p:pic>
+          <p:nvPicPr>
+            <p:cNvPr id="193" name="Picture 192"/>
+            <p:cNvPicPr>
+              <a:picLocks noChangeAspect="1"/>
+            </p:cNvPicPr>
+            <p:nvPr/>
+          </p:nvPicPr>
+          <p:blipFill rotWithShape="1">
+            <a:blip r:embed="rId6"/>
+            <a:srcRect b="14701"/>
+            <a:stretch/>
+          </p:blipFill>
+          <p:spPr>
+            <a:xfrm rot="587535">
+              <a:off x="5191039" y="5032060"/>
+              <a:ext cx="823031" cy="712437"/>
+            </a:xfrm>
+            <a:prstGeom prst="rect">
+              <a:avLst/>
+            </a:prstGeom>
+          </p:spPr>
+        </p:pic>
+        <p:sp>
+          <p:nvSpPr>
+            <p:cNvPr id="194" name="Rounded Rectangle 193"/>
+            <p:cNvSpPr/>
+            <p:nvPr/>
+          </p:nvSpPr>
+          <p:spPr>
+            <a:xfrm rot="16869721">
+              <a:off x="5373663" y="5812297"/>
+              <a:ext cx="257878" cy="145313"/>
+            </a:xfrm>
+            <a:prstGeom prst="roundRect">
+              <a:avLst/>
+            </a:prstGeom>
+            <a:solidFill>
+              <a:schemeClr val="tx1"/>
+            </a:solidFill>
+            <a:ln w="22225">
+              <a:noFill/>
+            </a:ln>
+          </p:spPr>
+          <p:style>
+            <a:lnRef idx="2">
+              <a:schemeClr val="accent1">
+                <a:shade val="50000"/>
+              </a:schemeClr>
+            </a:lnRef>
+            <a:fillRef idx="1">
+              <a:schemeClr val="accent1"/>
+            </a:fillRef>
+            <a:effectRef idx="0">
+              <a:schemeClr val="accent1"/>
+            </a:effectRef>
+            <a:fontRef idx="minor">
+              <a:schemeClr val="lt1"/>
+            </a:fontRef>
+          </p:style>
+          <p:txBody>
+            <a:bodyPr rtlCol="0" anchor="ctr"/>
+            <a:lstStyle/>
+            <a:p>
+              <a:pPr algn="ctr"/>
+              <a:endParaRPr lang="en-AU"/>
+            </a:p>
+          </p:txBody>
+        </p:sp>
+      </p:grpSp>
+      <p:grpSp>
+        <p:nvGrpSpPr>
+          <p:cNvPr id="195" name="Group 194"/>
+          <p:cNvGrpSpPr/>
+          <p:nvPr/>
+        </p:nvGrpSpPr>
+        <p:grpSpPr>
+          <a:xfrm rot="684667" flipH="1">
+            <a:off x="8627141" y="5742772"/>
+            <a:ext cx="823031" cy="1548461"/>
+            <a:chOff x="5191039" y="5032060"/>
+            <a:chExt cx="823031" cy="1548461"/>
+          </a:xfrm>
+        </p:grpSpPr>
+        <p:sp>
+          <p:nvSpPr>
+            <p:cNvPr id="196" name="Rounded Rectangle 195"/>
+            <p:cNvSpPr/>
+            <p:nvPr/>
+          </p:nvSpPr>
+          <p:spPr>
+            <a:xfrm rot="16884667">
+              <a:off x="5322358" y="6097740"/>
+              <a:ext cx="257878" cy="145313"/>
+            </a:xfrm>
+            <a:prstGeom prst="roundRect">
+              <a:avLst/>
+            </a:prstGeom>
+            <a:solidFill>
+              <a:schemeClr val="tx1"/>
+            </a:solidFill>
+            <a:ln w="22225">
+              <a:noFill/>
+            </a:ln>
+          </p:spPr>
+          <p:style>
+            <a:lnRef idx="2">
+              <a:schemeClr val="accent1">
+                <a:shade val="50000"/>
+              </a:schemeClr>
+            </a:lnRef>
+            <a:fillRef idx="1">
+              <a:schemeClr val="accent1"/>
+            </a:fillRef>
+            <a:effectRef idx="0">
+              <a:schemeClr val="accent1"/>
+            </a:effectRef>
+            <a:fontRef idx="minor">
+              <a:schemeClr val="lt1"/>
+            </a:fontRef>
+          </p:style>
+          <p:txBody>
+            <a:bodyPr rtlCol="0" anchor="ctr"/>
+            <a:lstStyle/>
+            <a:p>
+              <a:pPr algn="ctr"/>
+              <a:endParaRPr lang="en-AU"/>
+            </a:p>
+          </p:txBody>
+        </p:sp>
+        <p:sp>
+          <p:nvSpPr>
+            <p:cNvPr id="197" name="Rounded Rectangle 196"/>
+            <p:cNvSpPr/>
+            <p:nvPr/>
+          </p:nvSpPr>
+          <p:spPr>
+            <a:xfrm rot="16884667">
+              <a:off x="5265605" y="6378925"/>
+              <a:ext cx="257878" cy="145313"/>
+            </a:xfrm>
+            <a:prstGeom prst="roundRect">
+              <a:avLst/>
+            </a:prstGeom>
+            <a:solidFill>
+              <a:schemeClr val="tx1"/>
+            </a:solidFill>
+            <a:ln w="22225">
+              <a:noFill/>
+            </a:ln>
+          </p:spPr>
+          <p:style>
+            <a:lnRef idx="2">
+              <a:schemeClr val="accent1">
+                <a:shade val="50000"/>
+              </a:schemeClr>
+            </a:lnRef>
+            <a:fillRef idx="1">
+              <a:schemeClr val="accent1"/>
+            </a:fillRef>
+            <a:effectRef idx="0">
+              <a:schemeClr val="accent1"/>
+            </a:effectRef>
+            <a:fontRef idx="minor">
+              <a:schemeClr val="lt1"/>
+            </a:fontRef>
+          </p:style>
+          <p:txBody>
+            <a:bodyPr rtlCol="0" anchor="ctr"/>
+            <a:lstStyle/>
+            <a:p>
+              <a:pPr algn="ctr"/>
+              <a:endParaRPr lang="en-AU"/>
+            </a:p>
+          </p:txBody>
+        </p:sp>
+        <p:pic>
+          <p:nvPicPr>
+            <p:cNvPr id="198" name="Picture 197"/>
+            <p:cNvPicPr>
+              <a:picLocks noChangeAspect="1"/>
+            </p:cNvPicPr>
+            <p:nvPr/>
+          </p:nvPicPr>
+          <p:blipFill rotWithShape="1">
+            <a:blip r:embed="rId6"/>
+            <a:srcRect b="14701"/>
+            <a:stretch/>
+          </p:blipFill>
+          <p:spPr>
+            <a:xfrm rot="587535">
+              <a:off x="5191039" y="5032060"/>
+              <a:ext cx="823031" cy="712437"/>
+            </a:xfrm>
+            <a:prstGeom prst="rect">
+              <a:avLst/>
+            </a:prstGeom>
+          </p:spPr>
+        </p:pic>
+        <p:sp>
+          <p:nvSpPr>
+            <p:cNvPr id="199" name="Rounded Rectangle 198"/>
+            <p:cNvSpPr/>
+            <p:nvPr/>
+          </p:nvSpPr>
+          <p:spPr>
+            <a:xfrm rot="16869721">
+              <a:off x="5378351" y="5817064"/>
+              <a:ext cx="257878" cy="145313"/>
+            </a:xfrm>
+            <a:prstGeom prst="roundRect">
+              <a:avLst/>
+            </a:prstGeom>
+            <a:solidFill>
+              <a:schemeClr val="tx1"/>
+            </a:solidFill>
+            <a:ln w="22225">
+              <a:noFill/>
+            </a:ln>
+          </p:spPr>
+          <p:style>
+            <a:lnRef idx="2">
+              <a:schemeClr val="accent1">
+                <a:shade val="50000"/>
+              </a:schemeClr>
+            </a:lnRef>
+            <a:fillRef idx="1">
+              <a:schemeClr val="accent1"/>
+            </a:fillRef>
+            <a:effectRef idx="0">
+              <a:schemeClr val="accent1"/>
+            </a:effectRef>
+            <a:fontRef idx="minor">
+              <a:schemeClr val="lt1"/>
+            </a:fontRef>
+          </p:style>
+          <p:txBody>
+            <a:bodyPr rtlCol="0" anchor="ctr"/>
+            <a:lstStyle/>
+            <a:p>
+              <a:pPr algn="ctr"/>
+              <a:endParaRPr lang="en-AU"/>
+            </a:p>
+          </p:txBody>
+        </p:sp>
+      </p:grpSp>
+      <p:pic>
+        <p:nvPicPr>
+          <p:cNvPr id="200" name="Picture 199"/>
+          <p:cNvPicPr>
+            <a:picLocks noChangeAspect="1"/>
+          </p:cNvPicPr>
+          <p:nvPr/>
+        </p:nvPicPr>
+        <p:blipFill rotWithShape="1">
+          <a:blip r:embed="rId5"/>
+          <a:srcRect t="1" r="-794" b="26045"/>
+          <a:stretch/>
+        </p:blipFill>
+        <p:spPr>
+          <a:xfrm rot="19627529">
+            <a:off x="5424428" y="6690136"/>
+            <a:ext cx="900000" cy="640647"/>
+          </a:xfrm>
+          <a:prstGeom prst="rect">
+            <a:avLst/>
+          </a:prstGeom>
+        </p:spPr>
+      </p:pic>
+      <p:pic>
+        <p:nvPicPr>
+          <p:cNvPr id="202" name="Picture 201"/>
+          <p:cNvPicPr>
+            <a:picLocks noChangeAspect="1"/>
+          </p:cNvPicPr>
+          <p:nvPr/>
+        </p:nvPicPr>
+        <p:blipFill rotWithShape="1">
+          <a:blip r:embed="rId5"/>
+          <a:srcRect t="1" r="-794" b="26045"/>
+          <a:stretch/>
+        </p:blipFill>
+        <p:spPr>
+          <a:xfrm rot="1972471" flipH="1">
+            <a:off x="6890902" y="6680542"/>
+            <a:ext cx="900000" cy="640647"/>
+          </a:xfrm>
+          <a:prstGeom prst="rect">
+            <a:avLst/>
+          </a:prstGeom>
+        </p:spPr>
+      </p:pic>
+      <p:pic>
+        <p:nvPicPr>
+          <p:cNvPr id="203" name="Picture 202"/>
+          <p:cNvPicPr>
+            <a:picLocks noChangeAspect="1"/>
+          </p:cNvPicPr>
+          <p:nvPr/>
+        </p:nvPicPr>
+        <p:blipFill rotWithShape="1">
+          <a:blip r:embed="rId6"/>
+          <a:srcRect b="14701"/>
+          <a:stretch/>
+        </p:blipFill>
+        <p:spPr>
+          <a:xfrm>
+            <a:off x="6207893" y="6495428"/>
+            <a:ext cx="823031" cy="712437"/>
+          </a:xfrm>
+          <a:prstGeom prst="rect">
+            <a:avLst/>
+          </a:prstGeom>
+        </p:spPr>
+      </p:pic>
+      <p:pic>
+        <p:nvPicPr>
+          <p:cNvPr id="204" name="Picture 203"/>
+          <p:cNvPicPr>
+            <a:picLocks/>
+          </p:cNvPicPr>
+          <p:nvPr/>
+        </p:nvPicPr>
+        <p:blipFill rotWithShape="1">
+          <a:blip r:embed="rId3"/>
+          <a:srcRect l="1625" t="23201" r="47595" b="23892"/>
+          <a:stretch/>
+        </p:blipFill>
+        <p:spPr>
+          <a:xfrm flipH="1">
+            <a:off x="9964037" y="2678654"/>
+            <a:ext cx="858155" cy="731520"/>
+          </a:xfrm>
+          <a:prstGeom prst="rect">
+            <a:avLst/>
+          </a:prstGeom>
+        </p:spPr>
+      </p:pic>
+      <p:grpSp>
+        <p:nvGrpSpPr>
+          <p:cNvPr id="205" name="Group 204"/>
+          <p:cNvGrpSpPr/>
+          <p:nvPr/>
+        </p:nvGrpSpPr>
+        <p:grpSpPr>
+          <a:xfrm flipH="1">
+            <a:off x="10246797" y="3400451"/>
+            <a:ext cx="854080" cy="924602"/>
+            <a:chOff x="10526926" y="3441917"/>
+            <a:chExt cx="854080" cy="924602"/>
+          </a:xfrm>
+        </p:grpSpPr>
+        <p:pic>
+          <p:nvPicPr>
+            <p:cNvPr id="206" name="Picture 205"/>
+            <p:cNvPicPr>
+              <a:picLocks/>
+            </p:cNvPicPr>
+            <p:nvPr/>
+          </p:nvPicPr>
+          <p:blipFill rotWithShape="1">
+            <a:blip r:embed="rId3"/>
+            <a:srcRect l="-1704" t="19584" r="47595" b="14284"/>
+            <a:stretch/>
+          </p:blipFill>
+          <p:spPr>
+            <a:xfrm>
+              <a:off x="10526926" y="3452119"/>
+              <a:ext cx="509166" cy="914400"/>
+            </a:xfrm>
+            <a:prstGeom prst="rect">
+              <a:avLst/>
+            </a:prstGeom>
+          </p:spPr>
+        </p:pic>
+        <p:pic>
+          <p:nvPicPr>
+            <p:cNvPr id="207" name="Picture 206"/>
+            <p:cNvPicPr>
+              <a:picLocks/>
+            </p:cNvPicPr>
+            <p:nvPr/>
+          </p:nvPicPr>
+          <p:blipFill rotWithShape="1">
+            <a:blip r:embed="rId3"/>
+            <a:srcRect l="-1704" t="19584" r="47595" b="14284"/>
+            <a:stretch/>
+          </p:blipFill>
+          <p:spPr>
+            <a:xfrm>
+              <a:off x="10871840" y="3441917"/>
+              <a:ext cx="509166" cy="914400"/>
+            </a:xfrm>
+            <a:prstGeom prst="rect">
+              <a:avLst/>
+            </a:prstGeom>
+          </p:spPr>
+        </p:pic>
+      </p:grpSp>
+      <p:pic>
+        <p:nvPicPr>
+          <p:cNvPr id="44" name="Picture 43"/>
+          <p:cNvPicPr>
+            <a:picLocks noChangeAspect="1"/>
+          </p:cNvPicPr>
+          <p:nvPr/>
+        </p:nvPicPr>
+        <p:blipFill rotWithShape="1">
+          <a:blip r:embed="rId7"/>
+          <a:srcRect l="8779" t="9860" r="5357" b="30740"/>
+          <a:stretch/>
+        </p:blipFill>
+        <p:spPr>
+          <a:xfrm>
+            <a:off x="3442447" y="2302136"/>
+            <a:ext cx="2345167" cy="1828800"/>
+          </a:xfrm>
+          <a:prstGeom prst="rect">
+            <a:avLst/>
+          </a:prstGeom>
+        </p:spPr>
+      </p:pic>
+      <p:pic>
+        <p:nvPicPr>
+          <p:cNvPr id="45" name="Picture 44"/>
+          <p:cNvPicPr>
+            <a:picLocks noChangeAspect="1"/>
+          </p:cNvPicPr>
+          <p:nvPr/>
+        </p:nvPicPr>
+        <p:blipFill rotWithShape="1">
+          <a:blip r:embed="rId8"/>
+          <a:srcRect t="7057" r="2818" b="14650"/>
+          <a:stretch/>
+        </p:blipFill>
+        <p:spPr>
+          <a:xfrm>
+            <a:off x="5377702" y="3184264"/>
+            <a:ext cx="829460" cy="720762"/>
+          </a:xfrm>
+          <a:prstGeom prst="rect">
+            <a:avLst/>
+          </a:prstGeom>
+        </p:spPr>
+      </p:pic>
+      <p:pic>
+        <p:nvPicPr>
+          <p:cNvPr id="223" name="Picture 222"/>
+          <p:cNvPicPr>
+            <a:picLocks noChangeAspect="1"/>
+          </p:cNvPicPr>
+          <p:nvPr/>
+        </p:nvPicPr>
+        <p:blipFill rotWithShape="1">
+          <a:blip r:embed="rId8"/>
+          <a:srcRect t="7057" r="2818" b="14650"/>
+          <a:stretch/>
+        </p:blipFill>
+        <p:spPr>
+          <a:xfrm flipH="1">
+            <a:off x="5346533" y="3846851"/>
+            <a:ext cx="829460" cy="720762"/>
+          </a:xfrm>
+          <a:prstGeom prst="rect">
+            <a:avLst/>
+          </a:prstGeom>
+        </p:spPr>
+      </p:pic>
+      <p:pic>
+        <p:nvPicPr>
+          <p:cNvPr id="46" name="Picture 45"/>
+          <p:cNvPicPr>
+            <a:picLocks noChangeAspect="1"/>
+          </p:cNvPicPr>
+          <p:nvPr/>
+        </p:nvPicPr>
+        <p:blipFill>
+          <a:blip r:embed="rId9"/>
+          <a:stretch>
+            <a:fillRect/>
+          </a:stretch>
+        </p:blipFill>
+        <p:spPr>
+          <a:xfrm>
+            <a:off x="5505937" y="1703646"/>
+            <a:ext cx="847417" cy="1585097"/>
+          </a:xfrm>
+          <a:prstGeom prst="rect">
+            <a:avLst/>
+          </a:prstGeom>
+        </p:spPr>
+      </p:pic>
+      <p:pic>
+        <p:nvPicPr>
+          <p:cNvPr id="47" name="Picture 46"/>
+          <p:cNvPicPr>
+            <a:picLocks noChangeAspect="1"/>
+          </p:cNvPicPr>
+          <p:nvPr/>
+        </p:nvPicPr>
+        <p:blipFill rotWithShape="1">
+          <a:blip r:embed="rId10"/>
+          <a:srcRect r="4183"/>
+          <a:stretch/>
+        </p:blipFill>
+        <p:spPr>
+          <a:xfrm flipH="1">
+            <a:off x="7600162" y="2204954"/>
+            <a:ext cx="952167" cy="1609483"/>
+          </a:xfrm>
+          <a:prstGeom prst="rect">
+            <a:avLst/>
+          </a:prstGeom>
+        </p:spPr>
+      </p:pic>
+      <p:pic>
+        <p:nvPicPr>
+          <p:cNvPr id="48" name="Picture 47"/>
+          <p:cNvPicPr>
+            <a:picLocks noChangeAspect="1"/>
+          </p:cNvPicPr>
+          <p:nvPr/>
+        </p:nvPicPr>
+        <p:blipFill rotWithShape="1">
+          <a:blip r:embed="rId11"/>
+          <a:srcRect l="16875" t="4841" r="8955" b="18416"/>
+          <a:stretch/>
+        </p:blipFill>
+        <p:spPr>
+          <a:xfrm flipH="1">
+            <a:off x="5728447" y="2963732"/>
+            <a:ext cx="822960" cy="790687"/>
+          </a:xfrm>
+          <a:prstGeom prst="rect">
+            <a:avLst/>
+          </a:prstGeom>
+        </p:spPr>
+      </p:pic>
+      <p:pic>
+        <p:nvPicPr>
+          <p:cNvPr id="49" name="Picture 48"/>
+          <p:cNvPicPr>
+            <a:picLocks noChangeAspect="1"/>
+          </p:cNvPicPr>
+          <p:nvPr/>
+        </p:nvPicPr>
+        <p:blipFill>
+          <a:blip r:embed="rId12"/>
+          <a:stretch>
+            <a:fillRect/>
+          </a:stretch>
+        </p:blipFill>
+        <p:spPr>
+          <a:xfrm>
+            <a:off x="5038678" y="3462749"/>
+            <a:ext cx="823031" cy="707197"/>
+          </a:xfrm>
+          <a:prstGeom prst="rect">
+            <a:avLst/>
+          </a:prstGeom>
+        </p:spPr>
+      </p:pic>
     </p:spTree>
     <p:extLst>
       <p:ext uri="{BB962C8B-B14F-4D97-AF65-F5344CB8AC3E}">
@@ -7262,6 +9841,2055 @@
           </a:p>
         </p:txBody>
       </p:sp>
+      <p:grpSp>
+        <p:nvGrpSpPr>
+          <p:cNvPr id="4" name="Group 3"/>
+          <p:cNvGrpSpPr/>
+          <p:nvPr/>
+        </p:nvGrpSpPr>
+        <p:grpSpPr>
+          <a:xfrm>
+            <a:off x="3690175" y="726359"/>
+            <a:ext cx="7959606" cy="2198532"/>
+            <a:chOff x="922261" y="2660839"/>
+            <a:chExt cx="7959606" cy="2198532"/>
+          </a:xfrm>
+        </p:grpSpPr>
+        <p:grpSp>
+          <p:nvGrpSpPr>
+            <p:cNvPr id="5" name="Group 4"/>
+            <p:cNvGrpSpPr/>
+            <p:nvPr/>
+          </p:nvGrpSpPr>
+          <p:grpSpPr>
+            <a:xfrm>
+              <a:off x="922261" y="2671762"/>
+              <a:ext cx="2136913" cy="2186021"/>
+              <a:chOff x="2405273" y="2671762"/>
+              <a:chExt cx="2136913" cy="2186021"/>
+            </a:xfrm>
+          </p:grpSpPr>
+          <p:grpSp>
+            <p:nvGrpSpPr>
+              <p:cNvPr id="33" name="Group 32"/>
+              <p:cNvGrpSpPr/>
+              <p:nvPr/>
+            </p:nvGrpSpPr>
+            <p:grpSpPr>
+              <a:xfrm>
+                <a:off x="2521585" y="2675634"/>
+                <a:ext cx="1901825" cy="647700"/>
+                <a:chOff x="0" y="0"/>
+                <a:chExt cx="1902144" cy="647700"/>
+              </a:xfrm>
+            </p:grpSpPr>
+            <p:sp>
+              <p:nvSpPr>
+                <p:cNvPr id="45" name="Text Box 2"/>
+                <p:cNvSpPr txBox="1">
+                  <a:spLocks noChangeArrowheads="1"/>
+                </p:cNvSpPr>
+                <p:nvPr/>
+              </p:nvSpPr>
+              <p:spPr bwMode="auto">
+                <a:xfrm>
+                  <a:off x="400844" y="0"/>
+                  <a:ext cx="1181100" cy="647700"/>
+                </a:xfrm>
+                <a:prstGeom prst="rect">
+                  <a:avLst/>
+                </a:prstGeom>
+                <a:solidFill>
+                  <a:srgbClr val="FFFFFF"/>
+                </a:solidFill>
+                <a:ln w="9525">
+                  <a:noFill/>
+                  <a:miter lim="800000"/>
+                  <a:headEnd/>
+                  <a:tailEnd/>
+                </a:ln>
+              </p:spPr>
+              <p:txBody>
+                <a:bodyPr rot="0" vert="horz" wrap="square" lIns="91440" tIns="45720" rIns="91440" bIns="45720" anchor="t" anchorCtr="0">
+                  <a:noAutofit/>
+                </a:bodyPr>
+                <a:lstStyle/>
+                <a:p>
+                  <a:pPr algn="ctr">
+                    <a:lnSpc>
+                      <a:spcPct val="107000"/>
+                    </a:lnSpc>
+                    <a:spcAft>
+                      <a:spcPts val="0"/>
+                    </a:spcAft>
+                  </a:pPr>
+                  <a:r>
+                    <a:rPr lang="en-US" sz="1200" dirty="0">
+                      <a:effectLst/>
+                      <a:latin typeface="Gill Sans MT" panose="020B0502020104020203" pitchFamily="34" charset="0"/>
+                      <a:ea typeface="Calibri" panose="020F0502020204030204" pitchFamily="34" charset="0"/>
+                      <a:cs typeface="Times New Roman" panose="02020603050405020304" pitchFamily="18" charset="0"/>
+                    </a:rPr>
+                    <a:t>Short term</a:t>
+                  </a:r>
+                  <a:endParaRPr lang="en-AU" sz="1200" dirty="0">
+                    <a:effectLst/>
+                    <a:latin typeface="Gill Sans MT" panose="020B0502020104020203" pitchFamily="34" charset="0"/>
+                    <a:ea typeface="Calibri" panose="020F0502020204030204" pitchFamily="34" charset="0"/>
+                    <a:cs typeface="Times New Roman" panose="02020603050405020304" pitchFamily="18" charset="0"/>
+                  </a:endParaRPr>
+                </a:p>
+                <a:p>
+                  <a:pPr algn="ctr">
+                    <a:lnSpc>
+                      <a:spcPct val="107000"/>
+                    </a:lnSpc>
+                    <a:spcAft>
+                      <a:spcPts val="0"/>
+                    </a:spcAft>
+                  </a:pPr>
+                  <a:r>
+                    <a:rPr lang="en-US" sz="1200" dirty="0">
+                      <a:effectLst/>
+                      <a:latin typeface="Gill Sans MT" panose="020B0502020104020203" pitchFamily="34" charset="0"/>
+                      <a:ea typeface="Calibri" panose="020F0502020204030204" pitchFamily="34" charset="0"/>
+                      <a:cs typeface="Times New Roman" panose="02020603050405020304" pitchFamily="18" charset="0"/>
+                    </a:rPr>
+                    <a:t> </a:t>
+                  </a:r>
+                  <a:endParaRPr lang="en-AU" sz="1200" dirty="0">
+                    <a:effectLst/>
+                    <a:latin typeface="Gill Sans MT" panose="020B0502020104020203" pitchFamily="34" charset="0"/>
+                    <a:ea typeface="Calibri" panose="020F0502020204030204" pitchFamily="34" charset="0"/>
+                    <a:cs typeface="Times New Roman" panose="02020603050405020304" pitchFamily="18" charset="0"/>
+                  </a:endParaRPr>
+                </a:p>
+                <a:p>
+                  <a:pPr algn="ctr">
+                    <a:lnSpc>
+                      <a:spcPct val="107000"/>
+                    </a:lnSpc>
+                    <a:spcAft>
+                      <a:spcPts val="0"/>
+                    </a:spcAft>
+                  </a:pPr>
+                  <a:r>
+                    <a:rPr lang="en-US" sz="1200" dirty="0">
+                      <a:effectLst/>
+                      <a:latin typeface="Gill Sans MT" panose="020B0502020104020203" pitchFamily="34" charset="0"/>
+                      <a:ea typeface="Calibri" panose="020F0502020204030204" pitchFamily="34" charset="0"/>
+                      <a:cs typeface="Times New Roman" panose="02020603050405020304" pitchFamily="18" charset="0"/>
+                    </a:rPr>
+                    <a:t> 0 to +5/7 days</a:t>
+                  </a:r>
+                  <a:endParaRPr lang="en-AU" sz="1200" dirty="0">
+                    <a:effectLst/>
+                    <a:latin typeface="Gill Sans MT" panose="020B0502020104020203" pitchFamily="34" charset="0"/>
+                    <a:ea typeface="Calibri" panose="020F0502020204030204" pitchFamily="34" charset="0"/>
+                    <a:cs typeface="Times New Roman" panose="02020603050405020304" pitchFamily="18" charset="0"/>
+                  </a:endParaRPr>
+                </a:p>
+              </p:txBody>
+            </p:sp>
+            <p:sp>
+              <p:nvSpPr>
+                <p:cNvPr id="46" name="Right Brace 45"/>
+                <p:cNvSpPr/>
+                <p:nvPr/>
+              </p:nvSpPr>
+              <p:spPr>
+                <a:xfrm rot="16200000">
+                  <a:off x="810419" y="-581025"/>
+                  <a:ext cx="281305" cy="1902144"/>
+                </a:xfrm>
+                <a:prstGeom prst="rightBrace">
+                  <a:avLst>
+                    <a:gd name="adj1" fmla="val 45111"/>
+                    <a:gd name="adj2" fmla="val 49061"/>
+                  </a:avLst>
+                </a:prstGeom>
+              </p:spPr>
+              <p:style>
+                <a:lnRef idx="1">
+                  <a:schemeClr val="dk1"/>
+                </a:lnRef>
+                <a:fillRef idx="0">
+                  <a:schemeClr val="dk1"/>
+                </a:fillRef>
+                <a:effectRef idx="0">
+                  <a:schemeClr val="dk1"/>
+                </a:effectRef>
+                <a:fontRef idx="minor">
+                  <a:schemeClr val="tx1"/>
+                </a:fontRef>
+              </p:style>
+              <p:txBody>
+                <a:bodyPr rot="0" spcFirstLastPara="0" vert="horz" wrap="square" lIns="91440" tIns="45720" rIns="91440" bIns="45720" numCol="1" spcCol="0" rtlCol="0" fromWordArt="0" anchor="ctr" anchorCtr="0" forceAA="0" compatLnSpc="1">
+                  <a:prstTxWarp prst="textNoShape">
+                    <a:avLst/>
+                  </a:prstTxWarp>
+                  <a:noAutofit/>
+                </a:bodyPr>
+                <a:lstStyle/>
+                <a:p>
+                  <a:endParaRPr lang="en-AU"/>
+                </a:p>
+              </p:txBody>
+            </p:sp>
+          </p:grpSp>
+          <p:sp>
+            <p:nvSpPr>
+              <p:cNvPr id="34" name="Rectangle 33"/>
+              <p:cNvSpPr/>
+              <p:nvPr/>
+            </p:nvSpPr>
+            <p:spPr>
+              <a:xfrm>
+                <a:off x="2513330" y="3285234"/>
+                <a:ext cx="239508" cy="219075"/>
+              </a:xfrm>
+              <a:prstGeom prst="rect">
+                <a:avLst/>
+              </a:prstGeom>
+              <a:solidFill>
+                <a:schemeClr val="bg1"/>
+              </a:solidFill>
+            </p:spPr>
+            <p:style>
+              <a:lnRef idx="2">
+                <a:schemeClr val="accent1">
+                  <a:shade val="50000"/>
+                </a:schemeClr>
+              </a:lnRef>
+              <a:fillRef idx="1">
+                <a:schemeClr val="accent1"/>
+              </a:fillRef>
+              <a:effectRef idx="0">
+                <a:schemeClr val="accent1"/>
+              </a:effectRef>
+              <a:fontRef idx="minor">
+                <a:schemeClr val="lt1"/>
+              </a:fontRef>
+            </p:style>
+            <p:txBody>
+              <a:bodyPr rot="0" spcFirstLastPara="0" vert="horz" wrap="square" lIns="91440" tIns="45720" rIns="91440" bIns="45720" numCol="1" spcCol="0" rtlCol="0" fromWordArt="0" anchor="ctr" anchorCtr="0" forceAA="0" compatLnSpc="1">
+                <a:prstTxWarp prst="textNoShape">
+                  <a:avLst/>
+                </a:prstTxWarp>
+                <a:noAutofit/>
+              </a:bodyPr>
+              <a:lstStyle/>
+              <a:p>
+                <a:endParaRPr lang="en-AU"/>
+              </a:p>
+            </p:txBody>
+          </p:sp>
+          <p:sp>
+            <p:nvSpPr>
+              <p:cNvPr id="35" name="Rectangle 34"/>
+              <p:cNvSpPr/>
+              <p:nvPr/>
+            </p:nvSpPr>
+            <p:spPr>
+              <a:xfrm>
+                <a:off x="2751455" y="3285234"/>
+                <a:ext cx="239395" cy="219075"/>
+              </a:xfrm>
+              <a:prstGeom prst="rect">
+                <a:avLst/>
+              </a:prstGeom>
+              <a:solidFill>
+                <a:schemeClr val="bg1"/>
+              </a:solidFill>
+            </p:spPr>
+            <p:style>
+              <a:lnRef idx="2">
+                <a:schemeClr val="accent1">
+                  <a:shade val="50000"/>
+                </a:schemeClr>
+              </a:lnRef>
+              <a:fillRef idx="1">
+                <a:schemeClr val="accent1"/>
+              </a:fillRef>
+              <a:effectRef idx="0">
+                <a:schemeClr val="accent1"/>
+              </a:effectRef>
+              <a:fontRef idx="minor">
+                <a:schemeClr val="lt1"/>
+              </a:fontRef>
+            </p:style>
+            <p:txBody>
+              <a:bodyPr rot="0" spcFirstLastPara="0" vert="horz" wrap="square" lIns="91440" tIns="45720" rIns="91440" bIns="45720" numCol="1" spcCol="0" rtlCol="0" fromWordArt="0" anchor="ctr" anchorCtr="0" forceAA="0" compatLnSpc="1">
+                <a:prstTxWarp prst="textNoShape">
+                  <a:avLst/>
+                </a:prstTxWarp>
+                <a:noAutofit/>
+              </a:bodyPr>
+              <a:lstStyle/>
+              <a:p>
+                <a:endParaRPr lang="en-AU"/>
+              </a:p>
+            </p:txBody>
+          </p:sp>
+          <p:sp>
+            <p:nvSpPr>
+              <p:cNvPr id="36" name="Rectangle 35"/>
+              <p:cNvSpPr/>
+              <p:nvPr/>
+            </p:nvSpPr>
+            <p:spPr>
+              <a:xfrm>
+                <a:off x="2989580" y="3285234"/>
+                <a:ext cx="239508" cy="219075"/>
+              </a:xfrm>
+              <a:prstGeom prst="rect">
+                <a:avLst/>
+              </a:prstGeom>
+              <a:solidFill>
+                <a:schemeClr val="bg1"/>
+              </a:solidFill>
+            </p:spPr>
+            <p:style>
+              <a:lnRef idx="2">
+                <a:schemeClr val="accent1">
+                  <a:shade val="50000"/>
+                </a:schemeClr>
+              </a:lnRef>
+              <a:fillRef idx="1">
+                <a:schemeClr val="accent1"/>
+              </a:fillRef>
+              <a:effectRef idx="0">
+                <a:schemeClr val="accent1"/>
+              </a:effectRef>
+              <a:fontRef idx="minor">
+                <a:schemeClr val="lt1"/>
+              </a:fontRef>
+            </p:style>
+            <p:txBody>
+              <a:bodyPr rot="0" spcFirstLastPara="0" vert="horz" wrap="square" lIns="91440" tIns="45720" rIns="91440" bIns="45720" numCol="1" spcCol="0" rtlCol="0" fromWordArt="0" anchor="ctr" anchorCtr="0" forceAA="0" compatLnSpc="1">
+                <a:prstTxWarp prst="textNoShape">
+                  <a:avLst/>
+                </a:prstTxWarp>
+                <a:noAutofit/>
+              </a:bodyPr>
+              <a:lstStyle/>
+              <a:p>
+                <a:endParaRPr lang="en-AU"/>
+              </a:p>
+            </p:txBody>
+          </p:sp>
+          <p:sp>
+            <p:nvSpPr>
+              <p:cNvPr id="37" name="Rectangle 36"/>
+              <p:cNvSpPr/>
+              <p:nvPr/>
+            </p:nvSpPr>
+            <p:spPr>
+              <a:xfrm>
+                <a:off x="3227705" y="3285234"/>
+                <a:ext cx="239395" cy="219075"/>
+              </a:xfrm>
+              <a:prstGeom prst="rect">
+                <a:avLst/>
+              </a:prstGeom>
+              <a:solidFill>
+                <a:schemeClr val="bg1"/>
+              </a:solidFill>
+            </p:spPr>
+            <p:style>
+              <a:lnRef idx="2">
+                <a:schemeClr val="accent1">
+                  <a:shade val="50000"/>
+                </a:schemeClr>
+              </a:lnRef>
+              <a:fillRef idx="1">
+                <a:schemeClr val="accent1"/>
+              </a:fillRef>
+              <a:effectRef idx="0">
+                <a:schemeClr val="accent1"/>
+              </a:effectRef>
+              <a:fontRef idx="minor">
+                <a:schemeClr val="lt1"/>
+              </a:fontRef>
+            </p:style>
+            <p:txBody>
+              <a:bodyPr rot="0" spcFirstLastPara="0" vert="horz" wrap="square" lIns="91440" tIns="45720" rIns="91440" bIns="45720" numCol="1" spcCol="0" rtlCol="0" fromWordArt="0" anchor="ctr" anchorCtr="0" forceAA="0" compatLnSpc="1">
+                <a:prstTxWarp prst="textNoShape">
+                  <a:avLst/>
+                </a:prstTxWarp>
+                <a:noAutofit/>
+              </a:bodyPr>
+              <a:lstStyle/>
+              <a:p>
+                <a:endParaRPr lang="en-AU"/>
+              </a:p>
+            </p:txBody>
+          </p:sp>
+          <p:sp>
+            <p:nvSpPr>
+              <p:cNvPr id="38" name="Rectangle 37"/>
+              <p:cNvSpPr/>
+              <p:nvPr/>
+            </p:nvSpPr>
+            <p:spPr>
+              <a:xfrm>
+                <a:off x="3465830" y="3285234"/>
+                <a:ext cx="239395" cy="219075"/>
+              </a:xfrm>
+              <a:prstGeom prst="rect">
+                <a:avLst/>
+              </a:prstGeom>
+              <a:solidFill>
+                <a:schemeClr val="bg1"/>
+              </a:solidFill>
+            </p:spPr>
+            <p:style>
+              <a:lnRef idx="2">
+                <a:schemeClr val="accent1">
+                  <a:shade val="50000"/>
+                </a:schemeClr>
+              </a:lnRef>
+              <a:fillRef idx="1">
+                <a:schemeClr val="accent1"/>
+              </a:fillRef>
+              <a:effectRef idx="0">
+                <a:schemeClr val="accent1"/>
+              </a:effectRef>
+              <a:fontRef idx="minor">
+                <a:schemeClr val="lt1"/>
+              </a:fontRef>
+            </p:style>
+            <p:txBody>
+              <a:bodyPr rot="0" spcFirstLastPara="0" vert="horz" wrap="square" lIns="91440" tIns="45720" rIns="91440" bIns="45720" numCol="1" spcCol="0" rtlCol="0" fromWordArt="0" anchor="ctr" anchorCtr="0" forceAA="0" compatLnSpc="1">
+                <a:prstTxWarp prst="textNoShape">
+                  <a:avLst/>
+                </a:prstTxWarp>
+                <a:noAutofit/>
+              </a:bodyPr>
+              <a:lstStyle/>
+              <a:p>
+                <a:endParaRPr lang="en-AU"/>
+              </a:p>
+            </p:txBody>
+          </p:sp>
+          <p:sp>
+            <p:nvSpPr>
+              <p:cNvPr id="39" name="Rectangle 38"/>
+              <p:cNvSpPr/>
+              <p:nvPr/>
+            </p:nvSpPr>
+            <p:spPr>
+              <a:xfrm>
+                <a:off x="3703955" y="3285234"/>
+                <a:ext cx="239395" cy="219075"/>
+              </a:xfrm>
+              <a:prstGeom prst="rect">
+                <a:avLst/>
+              </a:prstGeom>
+              <a:solidFill>
+                <a:schemeClr val="bg1"/>
+              </a:solidFill>
+            </p:spPr>
+            <p:style>
+              <a:lnRef idx="2">
+                <a:schemeClr val="accent1">
+                  <a:shade val="50000"/>
+                </a:schemeClr>
+              </a:lnRef>
+              <a:fillRef idx="1">
+                <a:schemeClr val="accent1"/>
+              </a:fillRef>
+              <a:effectRef idx="0">
+                <a:schemeClr val="accent1"/>
+              </a:effectRef>
+              <a:fontRef idx="minor">
+                <a:schemeClr val="lt1"/>
+              </a:fontRef>
+            </p:style>
+            <p:txBody>
+              <a:bodyPr rot="0" spcFirstLastPara="0" vert="horz" wrap="square" lIns="91440" tIns="45720" rIns="91440" bIns="45720" numCol="1" spcCol="0" rtlCol="0" fromWordArt="0" anchor="ctr" anchorCtr="0" forceAA="0" compatLnSpc="1">
+                <a:prstTxWarp prst="textNoShape">
+                  <a:avLst/>
+                </a:prstTxWarp>
+                <a:noAutofit/>
+              </a:bodyPr>
+              <a:lstStyle/>
+              <a:p>
+                <a:endParaRPr lang="en-AU"/>
+              </a:p>
+            </p:txBody>
+          </p:sp>
+          <p:sp>
+            <p:nvSpPr>
+              <p:cNvPr id="40" name="Rectangle 39"/>
+              <p:cNvSpPr/>
+              <p:nvPr/>
+            </p:nvSpPr>
+            <p:spPr>
+              <a:xfrm>
+                <a:off x="3942080" y="3285234"/>
+                <a:ext cx="239395" cy="219075"/>
+              </a:xfrm>
+              <a:prstGeom prst="rect">
+                <a:avLst/>
+              </a:prstGeom>
+              <a:solidFill>
+                <a:schemeClr val="bg1"/>
+              </a:solidFill>
+            </p:spPr>
+            <p:style>
+              <a:lnRef idx="2">
+                <a:schemeClr val="accent1">
+                  <a:shade val="50000"/>
+                </a:schemeClr>
+              </a:lnRef>
+              <a:fillRef idx="1">
+                <a:schemeClr val="accent1"/>
+              </a:fillRef>
+              <a:effectRef idx="0">
+                <a:schemeClr val="accent1"/>
+              </a:effectRef>
+              <a:fontRef idx="minor">
+                <a:schemeClr val="lt1"/>
+              </a:fontRef>
+            </p:style>
+            <p:txBody>
+              <a:bodyPr rot="0" spcFirstLastPara="0" vert="horz" wrap="square" lIns="91440" tIns="45720" rIns="91440" bIns="45720" numCol="1" spcCol="0" rtlCol="0" fromWordArt="0" anchor="ctr" anchorCtr="0" forceAA="0" compatLnSpc="1">
+                <a:prstTxWarp prst="textNoShape">
+                  <a:avLst/>
+                </a:prstTxWarp>
+                <a:noAutofit/>
+              </a:bodyPr>
+              <a:lstStyle/>
+              <a:p>
+                <a:endParaRPr lang="en-AU"/>
+              </a:p>
+            </p:txBody>
+          </p:sp>
+          <p:sp>
+            <p:nvSpPr>
+              <p:cNvPr id="41" name="Text Box 30"/>
+              <p:cNvSpPr txBox="1"/>
+              <p:nvPr/>
+            </p:nvSpPr>
+            <p:spPr>
+              <a:xfrm>
+                <a:off x="3256280" y="3256659"/>
+                <a:ext cx="828675" cy="323850"/>
+              </a:xfrm>
+              <a:prstGeom prst="rect">
+                <a:avLst/>
+              </a:prstGeom>
+              <a:noFill/>
+              <a:ln w="6350">
+                <a:noFill/>
+              </a:ln>
+            </p:spPr>
+            <p:txBody>
+              <a:bodyPr rot="0" spcFirstLastPara="0" vert="horz" wrap="square" lIns="91440" tIns="45720" rIns="91440" bIns="45720" numCol="1" spcCol="0" rtlCol="0" fromWordArt="0" anchor="t" anchorCtr="0" forceAA="0" compatLnSpc="1">
+                <a:prstTxWarp prst="textNoShape">
+                  <a:avLst/>
+                </a:prstTxWarp>
+                <a:noAutofit/>
+              </a:bodyPr>
+              <a:lstStyle/>
+              <a:p>
+                <a:pPr>
+                  <a:lnSpc>
+                    <a:spcPct val="107000"/>
+                  </a:lnSpc>
+                  <a:spcAft>
+                    <a:spcPts val="800"/>
+                  </a:spcAft>
+                </a:pPr>
+                <a:r>
+                  <a:rPr lang="en-US" sz="1200" dirty="0">
+                    <a:effectLst/>
+                    <a:latin typeface="Gill Sans MT" panose="020B0502020104020203" pitchFamily="34" charset="0"/>
+                    <a:ea typeface="Calibri" panose="020F0502020204030204" pitchFamily="34" charset="0"/>
+                    <a:cs typeface="Times New Roman" panose="02020603050405020304" pitchFamily="18" charset="0"/>
+                  </a:rPr>
+                  <a:t>Daily</a:t>
+                </a:r>
+                <a:endParaRPr lang="en-AU" sz="1200" dirty="0">
+                  <a:effectLst/>
+                  <a:latin typeface="Gill Sans MT" panose="020B0502020104020203" pitchFamily="34" charset="0"/>
+                  <a:ea typeface="Calibri" panose="020F0502020204030204" pitchFamily="34" charset="0"/>
+                  <a:cs typeface="Times New Roman" panose="02020603050405020304" pitchFamily="18" charset="0"/>
+                </a:endParaRPr>
+              </a:p>
+            </p:txBody>
+          </p:sp>
+          <p:sp>
+            <p:nvSpPr>
+              <p:cNvPr id="42" name="Flowchart: Document 41"/>
+              <p:cNvSpPr/>
+              <p:nvPr/>
+            </p:nvSpPr>
+            <p:spPr>
+              <a:xfrm rot="16200000">
+                <a:off x="4193146" y="3275286"/>
+                <a:ext cx="219600" cy="241200"/>
+              </a:xfrm>
+              <a:prstGeom prst="flowChartDocument">
+                <a:avLst/>
+              </a:prstGeom>
+              <a:noFill/>
+            </p:spPr>
+            <p:style>
+              <a:lnRef idx="2">
+                <a:schemeClr val="accent1">
+                  <a:shade val="50000"/>
+                </a:schemeClr>
+              </a:lnRef>
+              <a:fillRef idx="1">
+                <a:schemeClr val="accent1"/>
+              </a:fillRef>
+              <a:effectRef idx="0">
+                <a:schemeClr val="accent1"/>
+              </a:effectRef>
+              <a:fontRef idx="minor">
+                <a:schemeClr val="lt1"/>
+              </a:fontRef>
+            </p:style>
+            <p:txBody>
+              <a:bodyPr rtlCol="0" anchor="ctr"/>
+              <a:lstStyle/>
+              <a:p>
+                <a:pPr algn="ctr"/>
+                <a:endParaRPr lang="en-AU"/>
+              </a:p>
+            </p:txBody>
+          </p:sp>
+          <p:sp>
+            <p:nvSpPr>
+              <p:cNvPr id="43" name="TextBox 42"/>
+              <p:cNvSpPr txBox="1"/>
+              <p:nvPr/>
+            </p:nvSpPr>
+            <p:spPr>
+              <a:xfrm>
+                <a:off x="2513330" y="3580509"/>
+                <a:ext cx="1933373" cy="1277273"/>
+              </a:xfrm>
+              <a:prstGeom prst="rect">
+                <a:avLst/>
+              </a:prstGeom>
+              <a:noFill/>
+            </p:spPr>
+            <p:txBody>
+              <a:bodyPr wrap="square" rtlCol="0">
+                <a:spAutoFit/>
+              </a:bodyPr>
+              <a:lstStyle/>
+              <a:p>
+                <a:r>
+                  <a:rPr lang="en-US" sz="1100" dirty="0" smtClean="0"/>
+                  <a:t>Daily weather indices:</a:t>
+                </a:r>
+              </a:p>
+              <a:p>
+                <a:pPr marL="285750" indent="-285750">
+                  <a:buFont typeface="Arial" panose="020B0604020202020204" pitchFamily="34" charset="0"/>
+                  <a:buChar char="•"/>
+                </a:pPr>
+                <a:r>
+                  <a:rPr lang="en-US" sz="1100" dirty="0" smtClean="0"/>
+                  <a:t>Rainfall</a:t>
+                </a:r>
+              </a:p>
+              <a:p>
+                <a:pPr marL="285750" indent="-285750">
+                  <a:buFont typeface="Arial" panose="020B0604020202020204" pitchFamily="34" charset="0"/>
+                  <a:buChar char="•"/>
+                </a:pPr>
+                <a:r>
+                  <a:rPr lang="en-US" sz="1100" dirty="0" smtClean="0"/>
+                  <a:t>Max / min temp</a:t>
+                </a:r>
+              </a:p>
+              <a:p>
+                <a:pPr marL="285750" indent="-285750">
+                  <a:buFont typeface="Arial" panose="020B0604020202020204" pitchFamily="34" charset="0"/>
+                  <a:buChar char="•"/>
+                </a:pPr>
+                <a:r>
+                  <a:rPr lang="en-US" sz="1100" dirty="0" smtClean="0"/>
+                  <a:t>Morning / afternoon wind</a:t>
+                </a:r>
+              </a:p>
+              <a:p>
+                <a:pPr marL="285750" indent="-285750">
+                  <a:buFont typeface="Arial" panose="020B0604020202020204" pitchFamily="34" charset="0"/>
+                  <a:buChar char="•"/>
+                </a:pPr>
+                <a:r>
+                  <a:rPr lang="en-US" sz="1100" dirty="0" smtClean="0"/>
+                  <a:t>Soil water deficit</a:t>
+                </a:r>
+              </a:p>
+              <a:p>
+                <a:pPr marL="285750" indent="-285750">
+                  <a:buFont typeface="Arial" panose="020B0604020202020204" pitchFamily="34" charset="0"/>
+                  <a:buChar char="•"/>
+                </a:pPr>
+                <a:r>
+                  <a:rPr lang="en-US" sz="1100" dirty="0" smtClean="0"/>
+                  <a:t>Crop water use</a:t>
+                </a:r>
+                <a:endParaRPr lang="en-AU" sz="1100" dirty="0"/>
+              </a:p>
+            </p:txBody>
+          </p:sp>
+          <p:sp>
+            <p:nvSpPr>
+              <p:cNvPr id="44" name="Snip Single Corner Rectangle 43"/>
+              <p:cNvSpPr/>
+              <p:nvPr/>
+            </p:nvSpPr>
+            <p:spPr>
+              <a:xfrm rot="16200000">
+                <a:off x="2380719" y="2696316"/>
+                <a:ext cx="2186021" cy="2136913"/>
+              </a:xfrm>
+              <a:prstGeom prst="snip1Rect">
+                <a:avLst/>
+              </a:prstGeom>
+              <a:noFill/>
+              <a:ln>
+                <a:solidFill>
+                  <a:schemeClr val="tx1"/>
+                </a:solidFill>
+              </a:ln>
+              <a:effectLst>
+                <a:outerShdw blurRad="50800" dist="38100" dir="2700000" algn="tl" rotWithShape="0">
+                  <a:prstClr val="black">
+                    <a:alpha val="40000"/>
+                  </a:prstClr>
+                </a:outerShdw>
+              </a:effectLst>
+            </p:spPr>
+            <p:style>
+              <a:lnRef idx="2">
+                <a:schemeClr val="accent1">
+                  <a:shade val="50000"/>
+                </a:schemeClr>
+              </a:lnRef>
+              <a:fillRef idx="1">
+                <a:schemeClr val="accent1"/>
+              </a:fillRef>
+              <a:effectRef idx="0">
+                <a:schemeClr val="accent1"/>
+              </a:effectRef>
+              <a:fontRef idx="minor">
+                <a:schemeClr val="lt1"/>
+              </a:fontRef>
+            </p:style>
+            <p:txBody>
+              <a:bodyPr rtlCol="0" anchor="ctr"/>
+              <a:lstStyle/>
+              <a:p>
+                <a:pPr algn="ctr"/>
+                <a:endParaRPr lang="en-AU"/>
+              </a:p>
+            </p:txBody>
+          </p:sp>
+        </p:grpSp>
+        <p:grpSp>
+          <p:nvGrpSpPr>
+            <p:cNvPr id="6" name="Group 5"/>
+            <p:cNvGrpSpPr/>
+            <p:nvPr/>
+          </p:nvGrpSpPr>
+          <p:grpSpPr>
+            <a:xfrm>
+              <a:off x="3834519" y="2666300"/>
+              <a:ext cx="2136913" cy="2187610"/>
+              <a:chOff x="4307964" y="2670172"/>
+              <a:chExt cx="2136913" cy="2187610"/>
+            </a:xfrm>
+          </p:grpSpPr>
+          <p:grpSp>
+            <p:nvGrpSpPr>
+              <p:cNvPr id="24" name="Group 23"/>
+              <p:cNvGrpSpPr/>
+              <p:nvPr/>
+            </p:nvGrpSpPr>
+            <p:grpSpPr>
+              <a:xfrm rot="10800000">
+                <a:off x="4483100" y="2670172"/>
+                <a:ext cx="1857375" cy="676275"/>
+                <a:chOff x="0" y="0"/>
+                <a:chExt cx="1857375" cy="676275"/>
+              </a:xfrm>
+            </p:grpSpPr>
+            <p:sp>
+              <p:nvSpPr>
+                <p:cNvPr id="31" name="Text Box 2"/>
+                <p:cNvSpPr txBox="1">
+                  <a:spLocks noChangeArrowheads="1"/>
+                </p:cNvSpPr>
+                <p:nvPr/>
+              </p:nvSpPr>
+              <p:spPr bwMode="auto">
+                <a:xfrm rot="10800000">
+                  <a:off x="0" y="0"/>
+                  <a:ext cx="1857375" cy="676275"/>
+                </a:xfrm>
+                <a:prstGeom prst="rect">
+                  <a:avLst/>
+                </a:prstGeom>
+                <a:solidFill>
+                  <a:srgbClr val="FFFFFF"/>
+                </a:solidFill>
+                <a:ln w="9525">
+                  <a:noFill/>
+                  <a:miter lim="800000"/>
+                  <a:headEnd/>
+                  <a:tailEnd/>
+                </a:ln>
+              </p:spPr>
+              <p:txBody>
+                <a:bodyPr rot="0" vert="horz" wrap="square" lIns="91440" tIns="45720" rIns="91440" bIns="45720" anchor="t" anchorCtr="0">
+                  <a:noAutofit/>
+                </a:bodyPr>
+                <a:lstStyle/>
+                <a:p>
+                  <a:pPr algn="ctr">
+                    <a:lnSpc>
+                      <a:spcPct val="107000"/>
+                    </a:lnSpc>
+                    <a:spcAft>
+                      <a:spcPts val="0"/>
+                    </a:spcAft>
+                  </a:pPr>
+                  <a:r>
+                    <a:rPr lang="en-US" sz="1200" dirty="0" smtClean="0">
+                      <a:effectLst/>
+                      <a:latin typeface="Gill Sans MT" panose="020B0502020104020203" pitchFamily="34" charset="0"/>
+                      <a:ea typeface="Calibri" panose="020F0502020204030204" pitchFamily="34" charset="0"/>
+                      <a:cs typeface="Times New Roman" panose="02020603050405020304" pitchFamily="18" charset="0"/>
+                    </a:rPr>
+                    <a:t>Med </a:t>
+                  </a:r>
+                  <a:r>
+                    <a:rPr lang="en-US" sz="1200" dirty="0">
+                      <a:effectLst/>
+                      <a:latin typeface="Gill Sans MT" panose="020B0502020104020203" pitchFamily="34" charset="0"/>
+                      <a:ea typeface="Calibri" panose="020F0502020204030204" pitchFamily="34" charset="0"/>
+                      <a:cs typeface="Times New Roman" panose="02020603050405020304" pitchFamily="18" charset="0"/>
+                    </a:rPr>
+                    <a:t>– Long </a:t>
+                  </a:r>
+                  <a:r>
+                    <a:rPr lang="en-US" sz="1200" dirty="0" smtClean="0">
+                      <a:effectLst/>
+                      <a:latin typeface="Gill Sans MT" panose="020B0502020104020203" pitchFamily="34" charset="0"/>
+                      <a:ea typeface="Calibri" panose="020F0502020204030204" pitchFamily="34" charset="0"/>
+                      <a:cs typeface="Times New Roman" panose="02020603050405020304" pitchFamily="18" charset="0"/>
+                    </a:rPr>
+                    <a:t>term</a:t>
+                  </a:r>
+                </a:p>
+                <a:p>
+                  <a:pPr algn="ctr">
+                    <a:lnSpc>
+                      <a:spcPct val="107000"/>
+                    </a:lnSpc>
+                    <a:spcAft>
+                      <a:spcPts val="0"/>
+                    </a:spcAft>
+                  </a:pPr>
+                  <a:endParaRPr lang="en-US" sz="1200" dirty="0">
+                    <a:latin typeface="Gill Sans MT" panose="020B0502020104020203" pitchFamily="34" charset="0"/>
+                    <a:ea typeface="Calibri" panose="020F0502020204030204" pitchFamily="34" charset="0"/>
+                    <a:cs typeface="Times New Roman" panose="02020603050405020304" pitchFamily="18" charset="0"/>
+                  </a:endParaRPr>
+                </a:p>
+                <a:p>
+                  <a:pPr algn="ctr">
+                    <a:lnSpc>
+                      <a:spcPct val="107000"/>
+                    </a:lnSpc>
+                  </a:pPr>
+                  <a:r>
+                    <a:rPr lang="en-US" sz="1200" dirty="0" smtClean="0">
+                      <a:effectLst/>
+                      <a:latin typeface="Gill Sans MT" panose="020B0502020104020203" pitchFamily="34" charset="0"/>
+                      <a:ea typeface="Calibri" panose="020F0502020204030204" pitchFamily="34" charset="0"/>
+                      <a:cs typeface="Times New Roman" panose="02020603050405020304" pitchFamily="18" charset="0"/>
+                    </a:rPr>
+                    <a:t>+6/8 days to +1/2 months </a:t>
+                  </a:r>
+                  <a:endParaRPr lang="en-AU" sz="1200" dirty="0" smtClean="0">
+                    <a:effectLst/>
+                    <a:latin typeface="Gill Sans MT" panose="020B0502020104020203" pitchFamily="34" charset="0"/>
+                    <a:ea typeface="Calibri" panose="020F0502020204030204" pitchFamily="34" charset="0"/>
+                    <a:cs typeface="Times New Roman" panose="02020603050405020304" pitchFamily="18" charset="0"/>
+                  </a:endParaRPr>
+                </a:p>
+                <a:p>
+                  <a:pPr algn="ctr">
+                    <a:lnSpc>
+                      <a:spcPct val="107000"/>
+                    </a:lnSpc>
+                    <a:spcAft>
+                      <a:spcPts val="0"/>
+                    </a:spcAft>
+                  </a:pPr>
+                  <a:r>
+                    <a:rPr lang="en-US" sz="1200" dirty="0">
+                      <a:effectLst/>
+                      <a:latin typeface="Gill Sans MT" panose="020B0502020104020203" pitchFamily="34" charset="0"/>
+                      <a:ea typeface="Calibri" panose="020F0502020204030204" pitchFamily="34" charset="0"/>
+                      <a:cs typeface="Times New Roman" panose="02020603050405020304" pitchFamily="18" charset="0"/>
+                    </a:rPr>
+                    <a:t> </a:t>
+                  </a:r>
+                  <a:endParaRPr lang="en-AU" sz="1200" dirty="0">
+                    <a:effectLst/>
+                    <a:latin typeface="Gill Sans MT" panose="020B0502020104020203" pitchFamily="34" charset="0"/>
+                    <a:ea typeface="Calibri" panose="020F0502020204030204" pitchFamily="34" charset="0"/>
+                    <a:cs typeface="Times New Roman" panose="02020603050405020304" pitchFamily="18" charset="0"/>
+                  </a:endParaRPr>
+                </a:p>
+              </p:txBody>
+            </p:sp>
+            <p:sp>
+              <p:nvSpPr>
+                <p:cNvPr id="32" name="Right Brace 31"/>
+                <p:cNvSpPr/>
+                <p:nvPr/>
+              </p:nvSpPr>
+              <p:spPr>
+                <a:xfrm rot="5400000">
+                  <a:off x="781050" y="-571500"/>
+                  <a:ext cx="281625" cy="1677035"/>
+                </a:xfrm>
+                <a:prstGeom prst="rightBrace">
+                  <a:avLst>
+                    <a:gd name="adj1" fmla="val 45111"/>
+                    <a:gd name="adj2" fmla="val 49061"/>
+                  </a:avLst>
+                </a:prstGeom>
+              </p:spPr>
+              <p:style>
+                <a:lnRef idx="1">
+                  <a:schemeClr val="dk1"/>
+                </a:lnRef>
+                <a:fillRef idx="0">
+                  <a:schemeClr val="dk1"/>
+                </a:fillRef>
+                <a:effectRef idx="0">
+                  <a:schemeClr val="dk1"/>
+                </a:effectRef>
+                <a:fontRef idx="minor">
+                  <a:schemeClr val="tx1"/>
+                </a:fontRef>
+              </p:style>
+              <p:txBody>
+                <a:bodyPr rot="0" spcFirstLastPara="0" vert="horz" wrap="square" lIns="91440" tIns="45720" rIns="91440" bIns="45720" numCol="1" spcCol="0" rtlCol="0" fromWordArt="0" anchor="ctr" anchorCtr="0" forceAA="0" compatLnSpc="1">
+                  <a:prstTxWarp prst="textNoShape">
+                    <a:avLst/>
+                  </a:prstTxWarp>
+                  <a:noAutofit/>
+                </a:bodyPr>
+                <a:lstStyle/>
+                <a:p>
+                  <a:endParaRPr lang="en-AU"/>
+                </a:p>
+              </p:txBody>
+            </p:sp>
+          </p:grpSp>
+          <p:sp>
+            <p:nvSpPr>
+              <p:cNvPr id="25" name="Rectangle 24"/>
+              <p:cNvSpPr/>
+              <p:nvPr/>
+            </p:nvSpPr>
+            <p:spPr>
+              <a:xfrm>
+                <a:off x="5437083" y="3309938"/>
+                <a:ext cx="423545" cy="220028"/>
+              </a:xfrm>
+              <a:prstGeom prst="rect">
+                <a:avLst/>
+              </a:prstGeom>
+              <a:solidFill>
+                <a:schemeClr val="bg1"/>
+              </a:solidFill>
+            </p:spPr>
+            <p:style>
+              <a:lnRef idx="2">
+                <a:schemeClr val="accent1">
+                  <a:shade val="50000"/>
+                </a:schemeClr>
+              </a:lnRef>
+              <a:fillRef idx="1">
+                <a:schemeClr val="accent1"/>
+              </a:fillRef>
+              <a:effectRef idx="0">
+                <a:schemeClr val="accent1"/>
+              </a:effectRef>
+              <a:fontRef idx="minor">
+                <a:schemeClr val="lt1"/>
+              </a:fontRef>
+            </p:style>
+            <p:txBody>
+              <a:bodyPr rot="0" spcFirstLastPara="0" vert="horz" wrap="square" lIns="91440" tIns="45720" rIns="91440" bIns="45720" numCol="1" spcCol="0" rtlCol="0" fromWordArt="0" anchor="ctr" anchorCtr="0" forceAA="0" compatLnSpc="1">
+                <a:prstTxWarp prst="textNoShape">
+                  <a:avLst/>
+                </a:prstTxWarp>
+                <a:noAutofit/>
+              </a:bodyPr>
+              <a:lstStyle/>
+              <a:p>
+                <a:endParaRPr lang="en-AU"/>
+              </a:p>
+            </p:txBody>
+          </p:sp>
+          <p:sp>
+            <p:nvSpPr>
+              <p:cNvPr id="26" name="Rectangle 25"/>
+              <p:cNvSpPr/>
+              <p:nvPr/>
+            </p:nvSpPr>
+            <p:spPr>
+              <a:xfrm>
+                <a:off x="5017983" y="3309938"/>
+                <a:ext cx="423545" cy="218440"/>
+              </a:xfrm>
+              <a:prstGeom prst="rect">
+                <a:avLst/>
+              </a:prstGeom>
+              <a:solidFill>
+                <a:schemeClr val="bg1"/>
+              </a:solidFill>
+            </p:spPr>
+            <p:style>
+              <a:lnRef idx="2">
+                <a:schemeClr val="accent1">
+                  <a:shade val="50000"/>
+                </a:schemeClr>
+              </a:lnRef>
+              <a:fillRef idx="1">
+                <a:schemeClr val="accent1"/>
+              </a:fillRef>
+              <a:effectRef idx="0">
+                <a:schemeClr val="accent1"/>
+              </a:effectRef>
+              <a:fontRef idx="minor">
+                <a:schemeClr val="lt1"/>
+              </a:fontRef>
+            </p:style>
+            <p:txBody>
+              <a:bodyPr rot="0" spcFirstLastPara="0" vert="horz" wrap="square" lIns="91440" tIns="45720" rIns="91440" bIns="45720" numCol="1" spcCol="0" rtlCol="0" fromWordArt="0" anchor="ctr" anchorCtr="0" forceAA="0" compatLnSpc="1">
+                <a:prstTxWarp prst="textNoShape">
+                  <a:avLst/>
+                </a:prstTxWarp>
+                <a:noAutofit/>
+              </a:bodyPr>
+              <a:lstStyle/>
+              <a:p>
+                <a:endParaRPr lang="en-AU"/>
+              </a:p>
+            </p:txBody>
+          </p:sp>
+          <p:sp>
+            <p:nvSpPr>
+              <p:cNvPr id="27" name="Text Box 31"/>
+              <p:cNvSpPr txBox="1"/>
+              <p:nvPr/>
+            </p:nvSpPr>
+            <p:spPr>
+              <a:xfrm>
+                <a:off x="5125855" y="3274917"/>
+                <a:ext cx="828675" cy="323850"/>
+              </a:xfrm>
+              <a:prstGeom prst="rect">
+                <a:avLst/>
+              </a:prstGeom>
+              <a:noFill/>
+              <a:ln w="6350">
+                <a:noFill/>
+              </a:ln>
+            </p:spPr>
+            <p:txBody>
+              <a:bodyPr rot="0" spcFirstLastPara="0" vert="horz" wrap="square" lIns="91440" tIns="45720" rIns="91440" bIns="45720" numCol="1" spcCol="0" rtlCol="0" fromWordArt="0" anchor="t" anchorCtr="0" forceAA="0" compatLnSpc="1">
+                <a:prstTxWarp prst="textNoShape">
+                  <a:avLst/>
+                </a:prstTxWarp>
+                <a:noAutofit/>
+              </a:bodyPr>
+              <a:lstStyle/>
+              <a:p>
+                <a:pPr>
+                  <a:lnSpc>
+                    <a:spcPct val="107000"/>
+                  </a:lnSpc>
+                  <a:spcAft>
+                    <a:spcPts val="800"/>
+                  </a:spcAft>
+                </a:pPr>
+                <a:r>
+                  <a:rPr lang="en-US" sz="1200" dirty="0">
+                    <a:effectLst/>
+                    <a:latin typeface="Gill Sans MT" panose="020B0502020104020203" pitchFamily="34" charset="0"/>
+                    <a:ea typeface="Calibri" panose="020F0502020204030204" pitchFamily="34" charset="0"/>
+                    <a:cs typeface="Times New Roman" panose="02020603050405020304" pitchFamily="18" charset="0"/>
+                  </a:rPr>
+                  <a:t>Weekly</a:t>
+                </a:r>
+                <a:endParaRPr lang="en-AU" sz="1200" dirty="0">
+                  <a:effectLst/>
+                  <a:latin typeface="Gill Sans MT" panose="020B0502020104020203" pitchFamily="34" charset="0"/>
+                  <a:ea typeface="Calibri" panose="020F0502020204030204" pitchFamily="34" charset="0"/>
+                  <a:cs typeface="Times New Roman" panose="02020603050405020304" pitchFamily="18" charset="0"/>
+                </a:endParaRPr>
+              </a:p>
+            </p:txBody>
+          </p:sp>
+          <p:sp>
+            <p:nvSpPr>
+              <p:cNvPr id="28" name="Flowchart: Document 27"/>
+              <p:cNvSpPr/>
+              <p:nvPr/>
+            </p:nvSpPr>
+            <p:spPr>
+              <a:xfrm rot="5400000">
+                <a:off x="4672870" y="3186208"/>
+                <a:ext cx="216000" cy="474226"/>
+              </a:xfrm>
+              <a:prstGeom prst="flowChartDocument">
+                <a:avLst/>
+              </a:prstGeom>
+              <a:noFill/>
+            </p:spPr>
+            <p:style>
+              <a:lnRef idx="2">
+                <a:schemeClr val="accent1">
+                  <a:shade val="50000"/>
+                </a:schemeClr>
+              </a:lnRef>
+              <a:fillRef idx="1">
+                <a:schemeClr val="accent1"/>
+              </a:fillRef>
+              <a:effectRef idx="0">
+                <a:schemeClr val="accent1"/>
+              </a:effectRef>
+              <a:fontRef idx="minor">
+                <a:schemeClr val="lt1"/>
+              </a:fontRef>
+            </p:style>
+            <p:txBody>
+              <a:bodyPr rtlCol="0" anchor="ctr"/>
+              <a:lstStyle/>
+              <a:p>
+                <a:pPr algn="ctr"/>
+                <a:endParaRPr lang="en-AU"/>
+              </a:p>
+            </p:txBody>
+          </p:sp>
+          <p:sp>
+            <p:nvSpPr>
+              <p:cNvPr id="29" name="Snip Single Corner Rectangle 28"/>
+              <p:cNvSpPr/>
+              <p:nvPr/>
+            </p:nvSpPr>
+            <p:spPr>
+              <a:xfrm rot="16200000">
+                <a:off x="4283410" y="2696315"/>
+                <a:ext cx="2186021" cy="2136913"/>
+              </a:xfrm>
+              <a:prstGeom prst="snip1Rect">
+                <a:avLst/>
+              </a:prstGeom>
+              <a:noFill/>
+              <a:ln>
+                <a:solidFill>
+                  <a:schemeClr val="tx1"/>
+                </a:solidFill>
+              </a:ln>
+              <a:effectLst>
+                <a:outerShdw blurRad="50800" dist="38100" dir="2700000" algn="tl" rotWithShape="0">
+                  <a:prstClr val="black">
+                    <a:alpha val="40000"/>
+                  </a:prstClr>
+                </a:outerShdw>
+              </a:effectLst>
+            </p:spPr>
+            <p:style>
+              <a:lnRef idx="2">
+                <a:schemeClr val="accent1">
+                  <a:shade val="50000"/>
+                </a:schemeClr>
+              </a:lnRef>
+              <a:fillRef idx="1">
+                <a:schemeClr val="accent1"/>
+              </a:fillRef>
+              <a:effectRef idx="0">
+                <a:schemeClr val="accent1"/>
+              </a:effectRef>
+              <a:fontRef idx="minor">
+                <a:schemeClr val="lt1"/>
+              </a:fontRef>
+            </p:style>
+            <p:txBody>
+              <a:bodyPr rtlCol="0" anchor="ctr"/>
+              <a:lstStyle/>
+              <a:p>
+                <a:pPr algn="ctr"/>
+                <a:endParaRPr lang="en-AU"/>
+              </a:p>
+            </p:txBody>
+          </p:sp>
+          <p:sp>
+            <p:nvSpPr>
+              <p:cNvPr id="30" name="TextBox 29"/>
+              <p:cNvSpPr txBox="1"/>
+              <p:nvPr/>
+            </p:nvSpPr>
+            <p:spPr>
+              <a:xfrm>
+                <a:off x="4483100" y="3587942"/>
+                <a:ext cx="1933373" cy="1107996"/>
+              </a:xfrm>
+              <a:prstGeom prst="rect">
+                <a:avLst/>
+              </a:prstGeom>
+              <a:noFill/>
+            </p:spPr>
+            <p:txBody>
+              <a:bodyPr wrap="square" rtlCol="0">
+                <a:spAutoFit/>
+              </a:bodyPr>
+              <a:lstStyle/>
+              <a:p>
+                <a:r>
+                  <a:rPr lang="en-US" sz="1100" dirty="0" smtClean="0"/>
+                  <a:t>Weekly weather indices:</a:t>
+                </a:r>
+              </a:p>
+              <a:p>
+                <a:pPr marL="285750" indent="-285750">
+                  <a:buFont typeface="Arial" panose="020B0604020202020204" pitchFamily="34" charset="0"/>
+                  <a:buChar char="•"/>
+                </a:pPr>
+                <a:r>
+                  <a:rPr lang="en-US" sz="1100" dirty="0" smtClean="0"/>
+                  <a:t>Total Rainfall</a:t>
+                </a:r>
+              </a:p>
+              <a:p>
+                <a:pPr marL="285750" indent="-285750">
+                  <a:buFont typeface="Arial" panose="020B0604020202020204" pitchFamily="34" charset="0"/>
+                  <a:buChar char="•"/>
+                </a:pPr>
+                <a:r>
+                  <a:rPr lang="en-US" sz="1100" dirty="0" smtClean="0"/>
+                  <a:t>Number of wet days</a:t>
+                </a:r>
+              </a:p>
+              <a:p>
+                <a:pPr marL="285750" indent="-285750">
+                  <a:buFont typeface="Arial" panose="020B0604020202020204" pitchFamily="34" charset="0"/>
+                  <a:buChar char="•"/>
+                </a:pPr>
+                <a:r>
+                  <a:rPr lang="en-US" sz="1100" dirty="0" smtClean="0"/>
+                  <a:t>Total thermal time</a:t>
+                </a:r>
+              </a:p>
+              <a:p>
+                <a:pPr marL="285750" indent="-285750">
+                  <a:buFont typeface="Arial" panose="020B0604020202020204" pitchFamily="34" charset="0"/>
+                  <a:buChar char="•"/>
+                </a:pPr>
+                <a:r>
+                  <a:rPr lang="en-US" sz="1100" dirty="0" smtClean="0"/>
+                  <a:t>Average Soil water deficit</a:t>
+                </a:r>
+              </a:p>
+              <a:p>
+                <a:pPr marL="285750" indent="-285750">
+                  <a:buFont typeface="Arial" panose="020B0604020202020204" pitchFamily="34" charset="0"/>
+                  <a:buChar char="•"/>
+                </a:pPr>
+                <a:r>
+                  <a:rPr lang="en-US" sz="1100" dirty="0" smtClean="0"/>
+                  <a:t>Average crop water use</a:t>
+                </a:r>
+                <a:endParaRPr lang="en-AU" sz="1100" dirty="0"/>
+              </a:p>
+            </p:txBody>
+          </p:sp>
+        </p:grpSp>
+        <p:sp>
+          <p:nvSpPr>
+            <p:cNvPr id="7" name="Flowchart: Document 6"/>
+            <p:cNvSpPr/>
+            <p:nvPr/>
+          </p:nvSpPr>
+          <p:spPr>
+            <a:xfrm rot="16200000">
+              <a:off x="5514332" y="3173160"/>
+              <a:ext cx="216000" cy="474226"/>
+            </a:xfrm>
+            <a:prstGeom prst="flowChartDocument">
+              <a:avLst/>
+            </a:prstGeom>
+            <a:noFill/>
+          </p:spPr>
+          <p:style>
+            <a:lnRef idx="2">
+              <a:schemeClr val="accent1">
+                <a:shade val="50000"/>
+              </a:schemeClr>
+            </a:lnRef>
+            <a:fillRef idx="1">
+              <a:schemeClr val="accent1"/>
+            </a:fillRef>
+            <a:effectRef idx="0">
+              <a:schemeClr val="accent1"/>
+            </a:effectRef>
+            <a:fontRef idx="minor">
+              <a:schemeClr val="lt1"/>
+            </a:fontRef>
+          </p:style>
+          <p:txBody>
+            <a:bodyPr rtlCol="0" anchor="ctr"/>
+            <a:lstStyle/>
+            <a:p>
+              <a:pPr algn="ctr"/>
+              <a:endParaRPr lang="en-AU"/>
+            </a:p>
+          </p:txBody>
+        </p:sp>
+        <p:grpSp>
+          <p:nvGrpSpPr>
+            <p:cNvPr id="8" name="Group 7"/>
+            <p:cNvGrpSpPr/>
+            <p:nvPr/>
+          </p:nvGrpSpPr>
+          <p:grpSpPr>
+            <a:xfrm>
+              <a:off x="6744954" y="2666300"/>
+              <a:ext cx="2136913" cy="2186021"/>
+              <a:chOff x="6779507" y="2681668"/>
+              <a:chExt cx="2136913" cy="2186021"/>
+            </a:xfrm>
+          </p:grpSpPr>
+          <p:grpSp>
+            <p:nvGrpSpPr>
+              <p:cNvPr id="15" name="Group 14"/>
+              <p:cNvGrpSpPr/>
+              <p:nvPr/>
+            </p:nvGrpSpPr>
+            <p:grpSpPr>
+              <a:xfrm>
+                <a:off x="6933562" y="2681668"/>
+                <a:ext cx="1903730" cy="647700"/>
+                <a:chOff x="0" y="9905"/>
+                <a:chExt cx="1903730" cy="647700"/>
+              </a:xfrm>
+            </p:grpSpPr>
+            <p:sp>
+              <p:nvSpPr>
+                <p:cNvPr id="22" name="Text Box 2"/>
+                <p:cNvSpPr txBox="1">
+                  <a:spLocks noChangeArrowheads="1"/>
+                </p:cNvSpPr>
+                <p:nvPr/>
+              </p:nvSpPr>
+              <p:spPr bwMode="auto">
+                <a:xfrm>
+                  <a:off x="277104" y="9905"/>
+                  <a:ext cx="1362075" cy="647700"/>
+                </a:xfrm>
+                <a:prstGeom prst="rect">
+                  <a:avLst/>
+                </a:prstGeom>
+                <a:solidFill>
+                  <a:srgbClr val="FFFFFF"/>
+                </a:solidFill>
+                <a:ln w="9525">
+                  <a:noFill/>
+                  <a:miter lim="800000"/>
+                  <a:headEnd/>
+                  <a:tailEnd/>
+                </a:ln>
+              </p:spPr>
+              <p:txBody>
+                <a:bodyPr rot="0" vert="horz" wrap="square" lIns="91440" tIns="45720" rIns="91440" bIns="45720" anchor="t" anchorCtr="0">
+                  <a:noAutofit/>
+                </a:bodyPr>
+                <a:lstStyle/>
+                <a:p>
+                  <a:pPr algn="ctr">
+                    <a:lnSpc>
+                      <a:spcPct val="107000"/>
+                    </a:lnSpc>
+                    <a:spcAft>
+                      <a:spcPts val="0"/>
+                    </a:spcAft>
+                  </a:pPr>
+                  <a:r>
+                    <a:rPr lang="en-US" sz="1200" dirty="0">
+                      <a:effectLst/>
+                      <a:latin typeface="Gill Sans MT" panose="020B0502020104020203" pitchFamily="34" charset="0"/>
+                      <a:ea typeface="Calibri" panose="020F0502020204030204" pitchFamily="34" charset="0"/>
+                      <a:cs typeface="Times New Roman" panose="02020603050405020304" pitchFamily="18" charset="0"/>
+                    </a:rPr>
+                    <a:t>Med – Long term</a:t>
+                  </a:r>
+                  <a:endParaRPr lang="en-AU" sz="1200" dirty="0">
+                    <a:effectLst/>
+                    <a:latin typeface="Gill Sans MT" panose="020B0502020104020203" pitchFamily="34" charset="0"/>
+                    <a:ea typeface="Calibri" panose="020F0502020204030204" pitchFamily="34" charset="0"/>
+                    <a:cs typeface="Times New Roman" panose="02020603050405020304" pitchFamily="18" charset="0"/>
+                  </a:endParaRPr>
+                </a:p>
+                <a:p>
+                  <a:pPr algn="ctr">
+                    <a:lnSpc>
+                      <a:spcPct val="107000"/>
+                    </a:lnSpc>
+                    <a:spcAft>
+                      <a:spcPts val="0"/>
+                    </a:spcAft>
+                  </a:pPr>
+                  <a:r>
+                    <a:rPr lang="en-US" sz="1200" dirty="0">
+                      <a:effectLst/>
+                      <a:latin typeface="Gill Sans MT" panose="020B0502020104020203" pitchFamily="34" charset="0"/>
+                      <a:ea typeface="Calibri" panose="020F0502020204030204" pitchFamily="34" charset="0"/>
+                      <a:cs typeface="Times New Roman" panose="02020603050405020304" pitchFamily="18" charset="0"/>
+                    </a:rPr>
+                    <a:t> </a:t>
+                  </a:r>
+                  <a:endParaRPr lang="en-AU" sz="1200" dirty="0">
+                    <a:effectLst/>
+                    <a:latin typeface="Gill Sans MT" panose="020B0502020104020203" pitchFamily="34" charset="0"/>
+                    <a:ea typeface="Calibri" panose="020F0502020204030204" pitchFamily="34" charset="0"/>
+                    <a:cs typeface="Times New Roman" panose="02020603050405020304" pitchFamily="18" charset="0"/>
+                  </a:endParaRPr>
+                </a:p>
+                <a:p>
+                  <a:pPr algn="ctr">
+                    <a:lnSpc>
+                      <a:spcPct val="107000"/>
+                    </a:lnSpc>
+                    <a:spcAft>
+                      <a:spcPts val="0"/>
+                    </a:spcAft>
+                  </a:pPr>
+                  <a:r>
+                    <a:rPr lang="en-US" sz="1200" dirty="0">
+                      <a:effectLst/>
+                      <a:latin typeface="Gill Sans MT" panose="020B0502020104020203" pitchFamily="34" charset="0"/>
+                      <a:ea typeface="Calibri" panose="020F0502020204030204" pitchFamily="34" charset="0"/>
+                      <a:cs typeface="Times New Roman" panose="02020603050405020304" pitchFamily="18" charset="0"/>
+                    </a:rPr>
+                    <a:t>+2/3 – 5/7 months</a:t>
+                  </a:r>
+                  <a:endParaRPr lang="en-AU" sz="1200" dirty="0">
+                    <a:effectLst/>
+                    <a:latin typeface="Gill Sans MT" panose="020B0502020104020203" pitchFamily="34" charset="0"/>
+                    <a:ea typeface="Calibri" panose="020F0502020204030204" pitchFamily="34" charset="0"/>
+                    <a:cs typeface="Times New Roman" panose="02020603050405020304" pitchFamily="18" charset="0"/>
+                  </a:endParaRPr>
+                </a:p>
+              </p:txBody>
+            </p:sp>
+            <p:sp>
+              <p:nvSpPr>
+                <p:cNvPr id="23" name="Right Brace 22"/>
+                <p:cNvSpPr/>
+                <p:nvPr/>
+              </p:nvSpPr>
+              <p:spPr>
+                <a:xfrm rot="16200000">
+                  <a:off x="811052" y="-552450"/>
+                  <a:ext cx="281625" cy="1903730"/>
+                </a:xfrm>
+                <a:prstGeom prst="rightBrace">
+                  <a:avLst>
+                    <a:gd name="adj1" fmla="val 45111"/>
+                    <a:gd name="adj2" fmla="val 49061"/>
+                  </a:avLst>
+                </a:prstGeom>
+              </p:spPr>
+              <p:style>
+                <a:lnRef idx="1">
+                  <a:schemeClr val="dk1"/>
+                </a:lnRef>
+                <a:fillRef idx="0">
+                  <a:schemeClr val="dk1"/>
+                </a:fillRef>
+                <a:effectRef idx="0">
+                  <a:schemeClr val="dk1"/>
+                </a:effectRef>
+                <a:fontRef idx="minor">
+                  <a:schemeClr val="tx1"/>
+                </a:fontRef>
+              </p:style>
+              <p:txBody>
+                <a:bodyPr rot="0" spcFirstLastPara="0" vert="horz" wrap="square" lIns="91440" tIns="45720" rIns="91440" bIns="45720" numCol="1" spcCol="0" rtlCol="0" fromWordArt="0" anchor="ctr" anchorCtr="0" forceAA="0" compatLnSpc="1">
+                  <a:prstTxWarp prst="textNoShape">
+                    <a:avLst/>
+                  </a:prstTxWarp>
+                  <a:noAutofit/>
+                </a:bodyPr>
+                <a:lstStyle/>
+                <a:p>
+                  <a:endParaRPr lang="en-AU"/>
+                </a:p>
+              </p:txBody>
+            </p:sp>
+          </p:grpSp>
+          <p:sp>
+            <p:nvSpPr>
+              <p:cNvPr id="16" name="Rectangle 15"/>
+              <p:cNvSpPr/>
+              <p:nvPr/>
+            </p:nvSpPr>
+            <p:spPr>
+              <a:xfrm>
+                <a:off x="7507287" y="3309938"/>
+                <a:ext cx="681355" cy="219075"/>
+              </a:xfrm>
+              <a:prstGeom prst="rect">
+                <a:avLst/>
+              </a:prstGeom>
+              <a:solidFill>
+                <a:schemeClr val="bg1"/>
+              </a:solidFill>
+            </p:spPr>
+            <p:style>
+              <a:lnRef idx="2">
+                <a:schemeClr val="accent1">
+                  <a:shade val="50000"/>
+                </a:schemeClr>
+              </a:lnRef>
+              <a:fillRef idx="1">
+                <a:schemeClr val="accent1"/>
+              </a:fillRef>
+              <a:effectRef idx="0">
+                <a:schemeClr val="accent1"/>
+              </a:effectRef>
+              <a:fontRef idx="minor">
+                <a:schemeClr val="lt1"/>
+              </a:fontRef>
+            </p:style>
+            <p:txBody>
+              <a:bodyPr rot="0" spcFirstLastPara="0" vert="horz" wrap="square" lIns="91440" tIns="45720" rIns="91440" bIns="45720" numCol="1" spcCol="0" rtlCol="0" fromWordArt="0" anchor="ctr" anchorCtr="0" forceAA="0" compatLnSpc="1">
+                <a:prstTxWarp prst="textNoShape">
+                  <a:avLst/>
+                </a:prstTxWarp>
+                <a:noAutofit/>
+              </a:bodyPr>
+              <a:lstStyle/>
+              <a:p>
+                <a:endParaRPr lang="en-AU"/>
+              </a:p>
+            </p:txBody>
+          </p:sp>
+          <p:sp>
+            <p:nvSpPr>
+              <p:cNvPr id="17" name="Text Box 192"/>
+              <p:cNvSpPr txBox="1"/>
+              <p:nvPr/>
+            </p:nvSpPr>
+            <p:spPr>
+              <a:xfrm>
+                <a:off x="7520778" y="3279069"/>
+                <a:ext cx="828675" cy="323850"/>
+              </a:xfrm>
+              <a:prstGeom prst="rect">
+                <a:avLst/>
+              </a:prstGeom>
+              <a:noFill/>
+              <a:ln w="6350">
+                <a:noFill/>
+              </a:ln>
+            </p:spPr>
+            <p:txBody>
+              <a:bodyPr rot="0" spcFirstLastPara="0" vert="horz" wrap="square" lIns="91440" tIns="45720" rIns="91440" bIns="45720" numCol="1" spcCol="0" rtlCol="0" fromWordArt="0" anchor="t" anchorCtr="0" forceAA="0" compatLnSpc="1">
+                <a:prstTxWarp prst="textNoShape">
+                  <a:avLst/>
+                </a:prstTxWarp>
+                <a:noAutofit/>
+              </a:bodyPr>
+              <a:lstStyle/>
+              <a:p>
+                <a:pPr>
+                  <a:lnSpc>
+                    <a:spcPct val="107000"/>
+                  </a:lnSpc>
+                  <a:spcAft>
+                    <a:spcPts val="800"/>
+                  </a:spcAft>
+                </a:pPr>
+                <a:r>
+                  <a:rPr lang="en-US" sz="1200" dirty="0">
+                    <a:effectLst/>
+                    <a:latin typeface="Gill Sans MT" panose="020B0502020104020203" pitchFamily="34" charset="0"/>
+                    <a:ea typeface="Calibri" panose="020F0502020204030204" pitchFamily="34" charset="0"/>
+                    <a:cs typeface="Times New Roman" panose="02020603050405020304" pitchFamily="18" charset="0"/>
+                  </a:rPr>
+                  <a:t>Monthly</a:t>
+                </a:r>
+                <a:endParaRPr lang="en-AU" sz="1200" dirty="0">
+                  <a:effectLst/>
+                  <a:latin typeface="Gill Sans MT" panose="020B0502020104020203" pitchFamily="34" charset="0"/>
+                  <a:ea typeface="Calibri" panose="020F0502020204030204" pitchFamily="34" charset="0"/>
+                  <a:cs typeface="Times New Roman" panose="02020603050405020304" pitchFamily="18" charset="0"/>
+                </a:endParaRPr>
+              </a:p>
+            </p:txBody>
+          </p:sp>
+          <p:sp>
+            <p:nvSpPr>
+              <p:cNvPr id="18" name="Snip Single Corner Rectangle 17"/>
+              <p:cNvSpPr/>
+              <p:nvPr/>
+            </p:nvSpPr>
+            <p:spPr>
+              <a:xfrm rot="16200000">
+                <a:off x="6754953" y="2706222"/>
+                <a:ext cx="2186021" cy="2136913"/>
+              </a:xfrm>
+              <a:prstGeom prst="snip1Rect">
+                <a:avLst/>
+              </a:prstGeom>
+              <a:noFill/>
+              <a:ln>
+                <a:solidFill>
+                  <a:schemeClr val="tx1"/>
+                </a:solidFill>
+              </a:ln>
+              <a:effectLst>
+                <a:outerShdw blurRad="50800" dist="38100" dir="2700000" algn="tl" rotWithShape="0">
+                  <a:prstClr val="black">
+                    <a:alpha val="40000"/>
+                  </a:prstClr>
+                </a:outerShdw>
+              </a:effectLst>
+            </p:spPr>
+            <p:style>
+              <a:lnRef idx="2">
+                <a:schemeClr val="accent1">
+                  <a:shade val="50000"/>
+                </a:schemeClr>
+              </a:lnRef>
+              <a:fillRef idx="1">
+                <a:schemeClr val="accent1"/>
+              </a:fillRef>
+              <a:effectRef idx="0">
+                <a:schemeClr val="accent1"/>
+              </a:effectRef>
+              <a:fontRef idx="minor">
+                <a:schemeClr val="lt1"/>
+              </a:fontRef>
+            </p:style>
+            <p:txBody>
+              <a:bodyPr rtlCol="0" anchor="ctr"/>
+              <a:lstStyle/>
+              <a:p>
+                <a:pPr algn="ctr"/>
+                <a:endParaRPr lang="en-AU"/>
+              </a:p>
+            </p:txBody>
+          </p:sp>
+          <p:sp>
+            <p:nvSpPr>
+              <p:cNvPr id="19" name="TextBox 18"/>
+              <p:cNvSpPr txBox="1"/>
+              <p:nvPr/>
+            </p:nvSpPr>
+            <p:spPr>
+              <a:xfrm>
+                <a:off x="6941069" y="3593157"/>
+                <a:ext cx="1933373" cy="938719"/>
+              </a:xfrm>
+              <a:prstGeom prst="rect">
+                <a:avLst/>
+              </a:prstGeom>
+              <a:noFill/>
+            </p:spPr>
+            <p:txBody>
+              <a:bodyPr wrap="square" rtlCol="0">
+                <a:spAutoFit/>
+              </a:bodyPr>
+              <a:lstStyle/>
+              <a:p>
+                <a:r>
+                  <a:rPr lang="en-US" sz="1100" dirty="0" smtClean="0"/>
+                  <a:t>Monthly weather indices:</a:t>
+                </a:r>
+              </a:p>
+              <a:p>
+                <a:pPr marL="285750" indent="-285750">
+                  <a:buFont typeface="Arial" panose="020B0604020202020204" pitchFamily="34" charset="0"/>
+                  <a:buChar char="•"/>
+                </a:pPr>
+                <a:r>
+                  <a:rPr lang="en-US" sz="1100" dirty="0" smtClean="0"/>
+                  <a:t>Total Rainfall</a:t>
+                </a:r>
+              </a:p>
+              <a:p>
+                <a:pPr marL="285750" indent="-285750">
+                  <a:buFont typeface="Arial" panose="020B0604020202020204" pitchFamily="34" charset="0"/>
+                  <a:buChar char="•"/>
+                </a:pPr>
+                <a:r>
+                  <a:rPr lang="en-US" sz="1100" dirty="0" smtClean="0"/>
+                  <a:t>Number of wet days</a:t>
+                </a:r>
+              </a:p>
+              <a:p>
+                <a:pPr marL="285750" indent="-285750">
+                  <a:buFont typeface="Arial" panose="020B0604020202020204" pitchFamily="34" charset="0"/>
+                  <a:buChar char="•"/>
+                </a:pPr>
+                <a:r>
+                  <a:rPr lang="en-US" sz="1100" dirty="0" smtClean="0"/>
+                  <a:t>Total thermal time</a:t>
+                </a:r>
+              </a:p>
+              <a:p>
+                <a:pPr marL="285750" indent="-285750">
+                  <a:buFont typeface="Arial" panose="020B0604020202020204" pitchFamily="34" charset="0"/>
+                  <a:buChar char="•"/>
+                </a:pPr>
+                <a:r>
+                  <a:rPr lang="en-US" sz="1100" dirty="0" smtClean="0"/>
+                  <a:t>Crop development stage</a:t>
+                </a:r>
+              </a:p>
+            </p:txBody>
+          </p:sp>
+          <p:sp>
+            <p:nvSpPr>
+              <p:cNvPr id="20" name="Flowchart: Document 19"/>
+              <p:cNvSpPr/>
+              <p:nvPr/>
+            </p:nvSpPr>
+            <p:spPr>
+              <a:xfrm rot="16200000" flipH="1" flipV="1">
+                <a:off x="7080199" y="3098869"/>
+                <a:ext cx="216000" cy="638175"/>
+              </a:xfrm>
+              <a:prstGeom prst="flowChartDocument">
+                <a:avLst/>
+              </a:prstGeom>
+              <a:noFill/>
+            </p:spPr>
+            <p:style>
+              <a:lnRef idx="2">
+                <a:schemeClr val="accent1">
+                  <a:shade val="50000"/>
+                </a:schemeClr>
+              </a:lnRef>
+              <a:fillRef idx="1">
+                <a:schemeClr val="accent1"/>
+              </a:fillRef>
+              <a:effectRef idx="0">
+                <a:schemeClr val="accent1"/>
+              </a:effectRef>
+              <a:fontRef idx="minor">
+                <a:schemeClr val="lt1"/>
+              </a:fontRef>
+            </p:style>
+            <p:txBody>
+              <a:bodyPr rtlCol="0" anchor="ctr"/>
+              <a:lstStyle/>
+              <a:p>
+                <a:pPr algn="ctr"/>
+                <a:endParaRPr lang="en-AU"/>
+              </a:p>
+            </p:txBody>
+          </p:sp>
+          <p:sp>
+            <p:nvSpPr>
+              <p:cNvPr id="21" name="Flowchart: Document 20"/>
+              <p:cNvSpPr/>
+              <p:nvPr/>
+            </p:nvSpPr>
+            <p:spPr>
+              <a:xfrm rot="5400000" flipH="1" flipV="1">
+                <a:off x="8399731" y="3101723"/>
+                <a:ext cx="216000" cy="638175"/>
+              </a:xfrm>
+              <a:prstGeom prst="flowChartDocument">
+                <a:avLst/>
+              </a:prstGeom>
+              <a:noFill/>
+            </p:spPr>
+            <p:style>
+              <a:lnRef idx="2">
+                <a:schemeClr val="accent1">
+                  <a:shade val="50000"/>
+                </a:schemeClr>
+              </a:lnRef>
+              <a:fillRef idx="1">
+                <a:schemeClr val="accent1"/>
+              </a:fillRef>
+              <a:effectRef idx="0">
+                <a:schemeClr val="accent1"/>
+              </a:effectRef>
+              <a:fontRef idx="minor">
+                <a:schemeClr val="lt1"/>
+              </a:fontRef>
+            </p:style>
+            <p:txBody>
+              <a:bodyPr rtlCol="0" anchor="ctr"/>
+              <a:lstStyle/>
+              <a:p>
+                <a:pPr algn="ctr"/>
+                <a:endParaRPr lang="en-AU"/>
+              </a:p>
+            </p:txBody>
+          </p:sp>
+        </p:grpSp>
+        <p:cxnSp>
+          <p:nvCxnSpPr>
+            <p:cNvPr id="9" name="Straight Connector 8"/>
+            <p:cNvCxnSpPr>
+              <a:stCxn id="44" idx="1"/>
+            </p:cNvCxnSpPr>
+            <p:nvPr/>
+          </p:nvCxnSpPr>
+          <p:spPr>
+            <a:xfrm flipV="1">
+              <a:off x="3059174" y="2662427"/>
+              <a:ext cx="1139292" cy="1102345"/>
+            </a:xfrm>
+            <a:prstGeom prst="line">
+              <a:avLst/>
+            </a:prstGeom>
+            <a:ln>
+              <a:solidFill>
+                <a:schemeClr val="tx1"/>
+              </a:solidFill>
+              <a:prstDash val="sysDash"/>
+            </a:ln>
+          </p:spPr>
+          <p:style>
+            <a:lnRef idx="1">
+              <a:schemeClr val="accent1"/>
+            </a:lnRef>
+            <a:fillRef idx="0">
+              <a:schemeClr val="accent1"/>
+            </a:fillRef>
+            <a:effectRef idx="0">
+              <a:schemeClr val="accent1"/>
+            </a:effectRef>
+            <a:fontRef idx="minor">
+              <a:schemeClr val="tx1"/>
+            </a:fontRef>
+          </p:style>
+        </p:cxnSp>
+        <p:cxnSp>
+          <p:nvCxnSpPr>
+            <p:cNvPr id="10" name="Straight Connector 9"/>
+            <p:cNvCxnSpPr>
+              <a:stCxn id="44" idx="1"/>
+            </p:cNvCxnSpPr>
+            <p:nvPr/>
+          </p:nvCxnSpPr>
+          <p:spPr>
+            <a:xfrm>
+              <a:off x="3059174" y="3764772"/>
+              <a:ext cx="778791" cy="1094599"/>
+            </a:xfrm>
+            <a:prstGeom prst="line">
+              <a:avLst/>
+            </a:prstGeom>
+            <a:ln>
+              <a:solidFill>
+                <a:schemeClr val="tx1"/>
+              </a:solidFill>
+              <a:prstDash val="sysDash"/>
+            </a:ln>
+          </p:spPr>
+          <p:style>
+            <a:lnRef idx="1">
+              <a:schemeClr val="accent1"/>
+            </a:lnRef>
+            <a:fillRef idx="0">
+              <a:schemeClr val="accent1"/>
+            </a:fillRef>
+            <a:effectRef idx="0">
+              <a:schemeClr val="accent1"/>
+            </a:effectRef>
+            <a:fontRef idx="minor">
+              <a:schemeClr val="tx1"/>
+            </a:fontRef>
+          </p:style>
+        </p:cxnSp>
+        <p:cxnSp>
+          <p:nvCxnSpPr>
+            <p:cNvPr id="11" name="Straight Connector 10"/>
+            <p:cNvCxnSpPr>
+              <a:stCxn id="29" idx="1"/>
+            </p:cNvCxnSpPr>
+            <p:nvPr/>
+          </p:nvCxnSpPr>
+          <p:spPr>
+            <a:xfrm flipV="1">
+              <a:off x="5971432" y="2660839"/>
+              <a:ext cx="1115080" cy="1100060"/>
+            </a:xfrm>
+            <a:prstGeom prst="line">
+              <a:avLst/>
+            </a:prstGeom>
+            <a:ln>
+              <a:solidFill>
+                <a:schemeClr val="tx1"/>
+              </a:solidFill>
+              <a:prstDash val="sysDash"/>
+            </a:ln>
+          </p:spPr>
+          <p:style>
+            <a:lnRef idx="1">
+              <a:schemeClr val="accent1"/>
+            </a:lnRef>
+            <a:fillRef idx="0">
+              <a:schemeClr val="accent1"/>
+            </a:fillRef>
+            <a:effectRef idx="0">
+              <a:schemeClr val="accent1"/>
+            </a:effectRef>
+            <a:fontRef idx="minor">
+              <a:schemeClr val="tx1"/>
+            </a:fontRef>
+          </p:style>
+        </p:cxnSp>
+        <p:cxnSp>
+          <p:nvCxnSpPr>
+            <p:cNvPr id="12" name="Straight Connector 11"/>
+            <p:cNvCxnSpPr>
+              <a:stCxn id="29" idx="1"/>
+            </p:cNvCxnSpPr>
+            <p:nvPr/>
+          </p:nvCxnSpPr>
+          <p:spPr>
+            <a:xfrm>
+              <a:off x="5971432" y="3760899"/>
+              <a:ext cx="773522" cy="1091422"/>
+            </a:xfrm>
+            <a:prstGeom prst="line">
+              <a:avLst/>
+            </a:prstGeom>
+            <a:ln>
+              <a:solidFill>
+                <a:schemeClr val="tx1"/>
+              </a:solidFill>
+              <a:prstDash val="sysDash"/>
+            </a:ln>
+          </p:spPr>
+          <p:style>
+            <a:lnRef idx="1">
+              <a:schemeClr val="accent1"/>
+            </a:lnRef>
+            <a:fillRef idx="0">
+              <a:schemeClr val="accent1"/>
+            </a:fillRef>
+            <a:effectRef idx="0">
+              <a:schemeClr val="accent1"/>
+            </a:effectRef>
+            <a:fontRef idx="minor">
+              <a:schemeClr val="tx1"/>
+            </a:fontRef>
+          </p:style>
+        </p:cxnSp>
+        <p:sp>
+          <p:nvSpPr>
+            <p:cNvPr id="13" name="TextBox 12"/>
+            <p:cNvSpPr txBox="1"/>
+            <p:nvPr/>
+          </p:nvSpPr>
+          <p:spPr>
+            <a:xfrm>
+              <a:off x="3035797" y="3587551"/>
+              <a:ext cx="900066" cy="461665"/>
+            </a:xfrm>
+            <a:prstGeom prst="rect">
+              <a:avLst/>
+            </a:prstGeom>
+            <a:noFill/>
+          </p:spPr>
+          <p:txBody>
+            <a:bodyPr wrap="square" rtlCol="0">
+              <a:spAutoFit/>
+            </a:bodyPr>
+            <a:lstStyle/>
+            <a:p>
+              <a:pPr algn="ctr"/>
+              <a:r>
+                <a:rPr lang="en-US" sz="800" dirty="0" smtClean="0"/>
+                <a:t>“zoom out”</a:t>
+              </a:r>
+            </a:p>
+            <a:p>
+              <a:pPr algn="ctr"/>
+              <a:r>
+                <a:rPr lang="en-US" sz="800" dirty="0"/>
+                <a:t>t</a:t>
+              </a:r>
+              <a:r>
+                <a:rPr lang="en-US" sz="800" dirty="0" smtClean="0"/>
+                <a:t>o weekly forecasts</a:t>
+              </a:r>
+              <a:endParaRPr lang="en-AU" sz="800" dirty="0"/>
+            </a:p>
+          </p:txBody>
+        </p:sp>
+        <p:sp>
+          <p:nvSpPr>
+            <p:cNvPr id="14" name="TextBox 13"/>
+            <p:cNvSpPr txBox="1"/>
+            <p:nvPr/>
+          </p:nvSpPr>
+          <p:spPr>
+            <a:xfrm>
+              <a:off x="5969043" y="3587550"/>
+              <a:ext cx="900066" cy="461665"/>
+            </a:xfrm>
+            <a:prstGeom prst="rect">
+              <a:avLst/>
+            </a:prstGeom>
+            <a:noFill/>
+          </p:spPr>
+          <p:txBody>
+            <a:bodyPr wrap="square" rtlCol="0">
+              <a:spAutoFit/>
+            </a:bodyPr>
+            <a:lstStyle/>
+            <a:p>
+              <a:pPr algn="ctr"/>
+              <a:r>
+                <a:rPr lang="en-US" sz="800" dirty="0" smtClean="0"/>
+                <a:t>“zoom out”</a:t>
+              </a:r>
+            </a:p>
+            <a:p>
+              <a:pPr algn="ctr"/>
+              <a:r>
+                <a:rPr lang="en-US" sz="800" dirty="0"/>
+                <a:t>t</a:t>
+              </a:r>
+              <a:r>
+                <a:rPr lang="en-US" sz="800" dirty="0" smtClean="0"/>
+                <a:t>o monthly forecasts</a:t>
+              </a:r>
+              <a:endParaRPr lang="en-AU" sz="800" dirty="0"/>
+            </a:p>
+          </p:txBody>
+        </p:sp>
+      </p:grpSp>
     </p:spTree>
     <p:extLst>
       <p:ext uri="{BB962C8B-B14F-4D97-AF65-F5344CB8AC3E}">

--- a/assets/Presentation1.pptx
+++ b/assets/Presentation1.pptx
@@ -6,7 +6,8 @@
   </p:sldMasterIdLst>
   <p:sldIdLst>
     <p:sldId id="256" r:id="rId2"/>
-    <p:sldId id="257" r:id="rId3"/>
+    <p:sldId id="258" r:id="rId3"/>
+    <p:sldId id="257" r:id="rId4"/>
   </p:sldIdLst>
   <p:sldSz cx="12192000" cy="6858000"/>
   <p:notesSz cx="6858000" cy="9144000"/>
@@ -9630,29 +9631,6 @@
       </p:pic>
       <p:pic>
         <p:nvPicPr>
-          <p:cNvPr id="48" name="Picture 47"/>
-          <p:cNvPicPr>
-            <a:picLocks noChangeAspect="1"/>
-          </p:cNvPicPr>
-          <p:nvPr/>
-        </p:nvPicPr>
-        <p:blipFill rotWithShape="1">
-          <a:blip r:embed="rId11"/>
-          <a:srcRect l="16875" t="4841" r="8955" b="18416"/>
-          <a:stretch/>
-        </p:blipFill>
-        <p:spPr>
-          <a:xfrm flipH="1">
-            <a:off x="5728447" y="2963732"/>
-            <a:ext cx="822960" cy="790687"/>
-          </a:xfrm>
-          <a:prstGeom prst="rect">
-            <a:avLst/>
-          </a:prstGeom>
-        </p:spPr>
-      </p:pic>
-      <p:pic>
-        <p:nvPicPr>
           <p:cNvPr id="49" name="Picture 48"/>
           <p:cNvPicPr>
             <a:picLocks noChangeAspect="1"/>
@@ -9660,7 +9638,7 @@
           <p:nvPr/>
         </p:nvPicPr>
         <p:blipFill>
-          <a:blip r:embed="rId12"/>
+          <a:blip r:embed="rId11"/>
           <a:stretch>
             <a:fillRect/>
           </a:stretch>
@@ -9696,6 +9674,333 @@
 </file>
 
 <file path=ppt/slides/slide2.xml><?xml version="1.0" encoding="utf-8"?>
+<p:sld xmlns:a="http://schemas.openxmlformats.org/drawingml/2006/main" xmlns:r="http://schemas.openxmlformats.org/officeDocument/2006/relationships" xmlns:p="http://schemas.openxmlformats.org/presentationml/2006/main">
+  <p:cSld>
+    <p:spTree>
+      <p:nvGrpSpPr>
+        <p:cNvPr id="1" name=""/>
+        <p:cNvGrpSpPr/>
+        <p:nvPr/>
+      </p:nvGrpSpPr>
+      <p:grpSpPr>
+        <a:xfrm>
+          <a:off x="0" y="0"/>
+          <a:ext cx="0" cy="0"/>
+          <a:chOff x="0" y="0"/>
+          <a:chExt cx="0" cy="0"/>
+        </a:xfrm>
+      </p:grpSpPr>
+      <p:pic>
+        <p:nvPicPr>
+          <p:cNvPr id="6" name="Picture 5"/>
+          <p:cNvPicPr>
+            <a:picLocks noChangeAspect="1"/>
+          </p:cNvPicPr>
+          <p:nvPr/>
+        </p:nvPicPr>
+        <p:blipFill rotWithShape="1">
+          <a:blip r:embed="rId2"/>
+          <a:srcRect r="4183"/>
+          <a:stretch/>
+        </p:blipFill>
+        <p:spPr>
+          <a:xfrm>
+            <a:off x="6849003" y="2880838"/>
+            <a:ext cx="606937" cy="1025928"/>
+          </a:xfrm>
+          <a:prstGeom prst="rect">
+            <a:avLst/>
+          </a:prstGeom>
+        </p:spPr>
+      </p:pic>
+      <p:grpSp>
+        <p:nvGrpSpPr>
+          <p:cNvPr id="7" name="Group 6"/>
+          <p:cNvGrpSpPr/>
+          <p:nvPr/>
+        </p:nvGrpSpPr>
+        <p:grpSpPr>
+          <a:xfrm rot="220440">
+            <a:off x="9067107" y="4979454"/>
+            <a:ext cx="823031" cy="1251213"/>
+            <a:chOff x="5191039" y="5032060"/>
+            <a:chExt cx="823031" cy="1251213"/>
+          </a:xfrm>
+        </p:grpSpPr>
+        <p:sp>
+          <p:nvSpPr>
+            <p:cNvPr id="9" name="Rounded Rectangle 8"/>
+            <p:cNvSpPr/>
+            <p:nvPr/>
+          </p:nvSpPr>
+          <p:spPr>
+            <a:xfrm rot="18415026">
+              <a:off x="5264854" y="6081677"/>
+              <a:ext cx="257878" cy="145313"/>
+            </a:xfrm>
+            <a:prstGeom prst="roundRect">
+              <a:avLst/>
+            </a:prstGeom>
+            <a:solidFill>
+              <a:schemeClr val="tx1"/>
+            </a:solidFill>
+            <a:ln w="22225">
+              <a:noFill/>
+            </a:ln>
+          </p:spPr>
+          <p:style>
+            <a:lnRef idx="2">
+              <a:schemeClr val="accent1">
+                <a:shade val="50000"/>
+              </a:schemeClr>
+            </a:lnRef>
+            <a:fillRef idx="1">
+              <a:schemeClr val="accent1"/>
+            </a:fillRef>
+            <a:effectRef idx="0">
+              <a:schemeClr val="accent1"/>
+            </a:effectRef>
+            <a:fontRef idx="minor">
+              <a:schemeClr val="lt1"/>
+            </a:fontRef>
+          </p:style>
+          <p:txBody>
+            <a:bodyPr rtlCol="0" anchor="ctr"/>
+            <a:lstStyle/>
+            <a:p>
+              <a:pPr algn="ctr"/>
+              <a:endParaRPr lang="en-AU"/>
+            </a:p>
+          </p:txBody>
+        </p:sp>
+        <p:pic>
+          <p:nvPicPr>
+            <p:cNvPr id="10" name="Picture 9"/>
+            <p:cNvPicPr>
+              <a:picLocks noChangeAspect="1"/>
+            </p:cNvPicPr>
+            <p:nvPr/>
+          </p:nvPicPr>
+          <p:blipFill rotWithShape="1">
+            <a:blip r:embed="rId3"/>
+            <a:srcRect b="14701"/>
+            <a:stretch/>
+          </p:blipFill>
+          <p:spPr>
+            <a:xfrm rot="587535">
+              <a:off x="5191039" y="5032060"/>
+              <a:ext cx="823031" cy="712437"/>
+            </a:xfrm>
+            <a:prstGeom prst="rect">
+              <a:avLst/>
+            </a:prstGeom>
+          </p:spPr>
+        </p:pic>
+        <p:sp>
+          <p:nvSpPr>
+            <p:cNvPr id="11" name="Rounded Rectangle 10"/>
+            <p:cNvSpPr/>
+            <p:nvPr/>
+          </p:nvSpPr>
+          <p:spPr>
+            <a:xfrm rot="16869721">
+              <a:off x="5373663" y="5812297"/>
+              <a:ext cx="257878" cy="145313"/>
+            </a:xfrm>
+            <a:prstGeom prst="roundRect">
+              <a:avLst/>
+            </a:prstGeom>
+            <a:solidFill>
+              <a:schemeClr val="tx1"/>
+            </a:solidFill>
+            <a:ln w="22225">
+              <a:noFill/>
+            </a:ln>
+          </p:spPr>
+          <p:style>
+            <a:lnRef idx="2">
+              <a:schemeClr val="accent1">
+                <a:shade val="50000"/>
+              </a:schemeClr>
+            </a:lnRef>
+            <a:fillRef idx="1">
+              <a:schemeClr val="accent1"/>
+            </a:fillRef>
+            <a:effectRef idx="0">
+              <a:schemeClr val="accent1"/>
+            </a:effectRef>
+            <a:fontRef idx="minor">
+              <a:schemeClr val="lt1"/>
+            </a:fontRef>
+          </p:style>
+          <p:txBody>
+            <a:bodyPr rtlCol="0" anchor="ctr"/>
+            <a:lstStyle/>
+            <a:p>
+              <a:pPr algn="ctr"/>
+              <a:endParaRPr lang="en-AU"/>
+            </a:p>
+          </p:txBody>
+        </p:sp>
+      </p:grpSp>
+      <p:grpSp>
+        <p:nvGrpSpPr>
+          <p:cNvPr id="17" name="Group 16"/>
+          <p:cNvGrpSpPr/>
+          <p:nvPr/>
+        </p:nvGrpSpPr>
+        <p:grpSpPr>
+          <a:xfrm>
+            <a:off x="2321508" y="3098560"/>
+            <a:ext cx="4038003" cy="1028363"/>
+            <a:chOff x="2359608" y="3222426"/>
+            <a:chExt cx="4038003" cy="1028363"/>
+          </a:xfrm>
+        </p:grpSpPr>
+        <p:pic>
+          <p:nvPicPr>
+            <p:cNvPr id="4" name="Picture 3"/>
+            <p:cNvPicPr>
+              <a:picLocks noChangeAspect="1"/>
+            </p:cNvPicPr>
+            <p:nvPr/>
+          </p:nvPicPr>
+          <p:blipFill rotWithShape="1">
+            <a:blip r:embed="rId4"/>
+            <a:srcRect l="16875" t="4841" r="8955" b="18416"/>
+            <a:stretch/>
+          </p:blipFill>
+          <p:spPr>
+            <a:xfrm rot="296300" flipH="1">
+              <a:off x="2359608" y="3384674"/>
+              <a:ext cx="821555" cy="789338"/>
+            </a:xfrm>
+            <a:prstGeom prst="rect">
+              <a:avLst/>
+            </a:prstGeom>
+          </p:spPr>
+        </p:pic>
+        <p:sp>
+          <p:nvSpPr>
+            <p:cNvPr id="5" name="TextBox 4"/>
+            <p:cNvSpPr txBox="1"/>
+            <p:nvPr/>
+          </p:nvSpPr>
+          <p:spPr>
+            <a:xfrm>
+              <a:off x="2924947" y="3235126"/>
+              <a:ext cx="3172663" cy="1015663"/>
+            </a:xfrm>
+            <a:prstGeom prst="rect">
+              <a:avLst/>
+            </a:prstGeom>
+            <a:noFill/>
+          </p:spPr>
+          <p:txBody>
+            <a:bodyPr wrap="none" rtlCol="0">
+              <a:spAutoFit/>
+            </a:bodyPr>
+            <a:lstStyle/>
+            <a:p>
+              <a:r>
+                <a:rPr lang="en-US" sz="6000" dirty="0" err="1" smtClean="0">
+                  <a:latin typeface="Bahnschrift" panose="020B0502040204020203" pitchFamily="34" charset="0"/>
+                  <a:cs typeface="Segoe UI" panose="020B0502040204020203" pitchFamily="34" charset="0"/>
+                </a:rPr>
+                <a:t>Opticane</a:t>
+              </a:r>
+              <a:endParaRPr lang="en-AU" sz="6000" dirty="0">
+                <a:latin typeface="Bahnschrift" panose="020B0502040204020203" pitchFamily="34" charset="0"/>
+                <a:cs typeface="Segoe UI" panose="020B0502040204020203" pitchFamily="34" charset="0"/>
+              </a:endParaRPr>
+            </a:p>
+          </p:txBody>
+        </p:sp>
+        <p:pic>
+          <p:nvPicPr>
+            <p:cNvPr id="16" name="Picture 15"/>
+            <p:cNvPicPr>
+              <a:picLocks noChangeAspect="1"/>
+            </p:cNvPicPr>
+            <p:nvPr/>
+          </p:nvPicPr>
+          <p:blipFill>
+            <a:blip r:embed="rId5"/>
+            <a:stretch>
+              <a:fillRect/>
+            </a:stretch>
+          </p:blipFill>
+          <p:spPr>
+            <a:xfrm>
+              <a:off x="5848408" y="3222426"/>
+              <a:ext cx="549203" cy="751717"/>
+            </a:xfrm>
+            <a:prstGeom prst="rect">
+              <a:avLst/>
+            </a:prstGeom>
+          </p:spPr>
+        </p:pic>
+      </p:grpSp>
+      <p:pic>
+        <p:nvPicPr>
+          <p:cNvPr id="26" name="Picture 25"/>
+          <p:cNvPicPr>
+            <a:picLocks noChangeAspect="1"/>
+          </p:cNvPicPr>
+          <p:nvPr/>
+        </p:nvPicPr>
+        <p:blipFill rotWithShape="1">
+          <a:blip r:embed="rId6"/>
+          <a:srcRect b="22724"/>
+          <a:stretch/>
+        </p:blipFill>
+        <p:spPr>
+          <a:xfrm>
+            <a:off x="3304204" y="1689953"/>
+            <a:ext cx="4151736" cy="1243747"/>
+          </a:xfrm>
+          <a:prstGeom prst="rect">
+            <a:avLst/>
+          </a:prstGeom>
+        </p:spPr>
+      </p:pic>
+      <p:pic>
+        <p:nvPicPr>
+          <p:cNvPr id="27" name="Picture 26"/>
+          <p:cNvPicPr>
+            <a:picLocks noChangeAspect="1"/>
+          </p:cNvPicPr>
+          <p:nvPr/>
+        </p:nvPicPr>
+        <p:blipFill rotWithShape="1">
+          <a:blip r:embed="rId7"/>
+          <a:srcRect t="7253" b="25420"/>
+          <a:stretch/>
+        </p:blipFill>
+        <p:spPr>
+          <a:xfrm>
+            <a:off x="7455940" y="2933700"/>
+            <a:ext cx="4121253" cy="1079500"/>
+          </a:xfrm>
+          <a:prstGeom prst="rect">
+            <a:avLst/>
+          </a:prstGeom>
+        </p:spPr>
+      </p:pic>
+    </p:spTree>
+    <p:extLst>
+      <p:ext uri="{BB962C8B-B14F-4D97-AF65-F5344CB8AC3E}">
+        <p14:creationId xmlns:p14="http://schemas.microsoft.com/office/powerpoint/2010/main" val="822319032"/>
+      </p:ext>
+    </p:extLst>
+  </p:cSld>
+  <p:clrMapOvr>
+    <a:masterClrMapping/>
+  </p:clrMapOvr>
+</p:sld>
+</file>
+
+<file path=ppt/slides/slide3.xml><?xml version="1.0" encoding="utf-8"?>
 <p:sld xmlns:a="http://schemas.openxmlformats.org/drawingml/2006/main" xmlns:r="http://schemas.openxmlformats.org/officeDocument/2006/relationships" xmlns:p="http://schemas.openxmlformats.org/presentationml/2006/main">
   <p:cSld>
     <p:spTree>
